--- a/DiffKV MLSys Seminar.pptx
+++ b/DiffKV MLSys Seminar.pptx
@@ -4,14 +4,25 @@
   <p:sldMasterIdLst>
     <p:sldMasterId id="2147483648" r:id="rId1"/>
   </p:sldMasterIdLst>
+  <p:notesMasterIdLst>
+    <p:notesMasterId r:id="rId17"/>
+  </p:notesMasterIdLst>
   <p:sldIdLst>
     <p:sldId id="256" r:id="rId2"/>
     <p:sldId id="257" r:id="rId3"/>
-    <p:sldId id="258" r:id="rId4"/>
-    <p:sldId id="260" r:id="rId5"/>
-    <p:sldId id="259" r:id="rId6"/>
-    <p:sldId id="261" r:id="rId7"/>
-    <p:sldId id="262" r:id="rId8"/>
+    <p:sldId id="266" r:id="rId4"/>
+    <p:sldId id="258" r:id="rId5"/>
+    <p:sldId id="260" r:id="rId6"/>
+    <p:sldId id="259" r:id="rId7"/>
+    <p:sldId id="261" r:id="rId8"/>
+    <p:sldId id="262" r:id="rId9"/>
+    <p:sldId id="263" r:id="rId10"/>
+    <p:sldId id="264" r:id="rId11"/>
+    <p:sldId id="265" r:id="rId12"/>
+    <p:sldId id="267" r:id="rId13"/>
+    <p:sldId id="268" r:id="rId14"/>
+    <p:sldId id="269" r:id="rId15"/>
+    <p:sldId id="270" r:id="rId16"/>
   </p:sldIdLst>
   <p:sldSz cx="12192000" cy="6858000"/>
   <p:notesSz cx="6858000" cy="9144000"/>
@@ -111,6 +122,956 @@
     </a:lvl9pPr>
   </p:defaultTextStyle>
 </p:presentation>
+</file>
+
+<file path=ppt/notesMasters/notesMaster1.xml><?xml version="1.0" encoding="utf-8"?>
+<p:notesMaster xmlns:a="http://schemas.openxmlformats.org/drawingml/2006/main" xmlns:r="http://schemas.openxmlformats.org/officeDocument/2006/relationships" xmlns:p="http://schemas.openxmlformats.org/presentationml/2006/main">
+  <p:cSld>
+    <p:bg>
+      <p:bgRef idx="1001">
+        <a:schemeClr val="bg1"/>
+      </p:bgRef>
+    </p:bg>
+    <p:spTree>
+      <p:nvGrpSpPr>
+        <p:cNvPr id="1" name=""/>
+        <p:cNvGrpSpPr/>
+        <p:nvPr/>
+      </p:nvGrpSpPr>
+      <p:grpSpPr>
+        <a:xfrm>
+          <a:off x="0" y="0"/>
+          <a:ext cx="0" cy="0"/>
+          <a:chOff x="0" y="0"/>
+          <a:chExt cx="0" cy="0"/>
+        </a:xfrm>
+      </p:grpSpPr>
+      <p:sp>
+        <p:nvSpPr>
+          <p:cNvPr id="2" name="Header Placeholder 1"/>
+          <p:cNvSpPr>
+            <a:spLocks noGrp="1"/>
+          </p:cNvSpPr>
+          <p:nvPr>
+            <p:ph type="hdr" sz="quarter"/>
+          </p:nvPr>
+        </p:nvSpPr>
+        <p:spPr>
+          <a:xfrm>
+            <a:off x="0" y="0"/>
+            <a:ext cx="2971800" cy="458788"/>
+          </a:xfrm>
+          <a:prstGeom prst="rect">
+            <a:avLst/>
+          </a:prstGeom>
+        </p:spPr>
+        <p:txBody>
+          <a:bodyPr vert="horz" lIns="91440" tIns="45720" rIns="91440" bIns="45720" rtlCol="0"/>
+          <a:lstStyle>
+            <a:lvl1pPr algn="l">
+              <a:defRPr sz="1200"/>
+            </a:lvl1pPr>
+          </a:lstStyle>
+          <a:p>
+            <a:endParaRPr lang="en-US"/>
+          </a:p>
+        </p:txBody>
+      </p:sp>
+      <p:sp>
+        <p:nvSpPr>
+          <p:cNvPr id="3" name="Date Placeholder 2"/>
+          <p:cNvSpPr>
+            <a:spLocks noGrp="1"/>
+          </p:cNvSpPr>
+          <p:nvPr>
+            <p:ph type="dt" idx="1"/>
+          </p:nvPr>
+        </p:nvSpPr>
+        <p:spPr>
+          <a:xfrm>
+            <a:off x="3884613" y="0"/>
+            <a:ext cx="2971800" cy="458788"/>
+          </a:xfrm>
+          <a:prstGeom prst="rect">
+            <a:avLst/>
+          </a:prstGeom>
+        </p:spPr>
+        <p:txBody>
+          <a:bodyPr vert="horz" lIns="91440" tIns="45720" rIns="91440" bIns="45720" rtlCol="0"/>
+          <a:lstStyle>
+            <a:lvl1pPr algn="r">
+              <a:defRPr sz="1200"/>
+            </a:lvl1pPr>
+          </a:lstStyle>
+          <a:p>
+            <a:fld id="{97D52132-C82D-D24C-BF9E-97BFD0CBCB7B}" type="datetimeFigureOut">
+              <a:rPr lang="en-US" smtClean="0"/>
+              <a:t>11/4/25</a:t>
+            </a:fld>
+            <a:endParaRPr lang="en-US"/>
+          </a:p>
+        </p:txBody>
+      </p:sp>
+      <p:sp>
+        <p:nvSpPr>
+          <p:cNvPr id="4" name="Slide Image Placeholder 3"/>
+          <p:cNvSpPr>
+            <a:spLocks noGrp="1" noRot="1" noChangeAspect="1"/>
+          </p:cNvSpPr>
+          <p:nvPr>
+            <p:ph type="sldImg" idx="2"/>
+          </p:nvPr>
+        </p:nvSpPr>
+        <p:spPr>
+          <a:xfrm>
+            <a:off x="685800" y="1143000"/>
+            <a:ext cx="5486400" cy="3086100"/>
+          </a:xfrm>
+          <a:prstGeom prst="rect">
+            <a:avLst/>
+          </a:prstGeom>
+          <a:noFill/>
+          <a:ln w="12700">
+            <a:solidFill>
+              <a:prstClr val="black"/>
+            </a:solidFill>
+          </a:ln>
+        </p:spPr>
+        <p:txBody>
+          <a:bodyPr vert="horz" lIns="91440" tIns="45720" rIns="91440" bIns="45720" rtlCol="0" anchor="ctr"/>
+          <a:lstStyle/>
+          <a:p>
+            <a:endParaRPr lang="en-US"/>
+          </a:p>
+        </p:txBody>
+      </p:sp>
+      <p:sp>
+        <p:nvSpPr>
+          <p:cNvPr id="5" name="Notes Placeholder 4"/>
+          <p:cNvSpPr>
+            <a:spLocks noGrp="1"/>
+          </p:cNvSpPr>
+          <p:nvPr>
+            <p:ph type="body" sz="quarter" idx="3"/>
+          </p:nvPr>
+        </p:nvSpPr>
+        <p:spPr>
+          <a:xfrm>
+            <a:off x="685800" y="4400550"/>
+            <a:ext cx="5486400" cy="3600450"/>
+          </a:xfrm>
+          <a:prstGeom prst="rect">
+            <a:avLst/>
+          </a:prstGeom>
+        </p:spPr>
+        <p:txBody>
+          <a:bodyPr vert="horz" lIns="91440" tIns="45720" rIns="91440" bIns="45720" rtlCol="0"/>
+          <a:lstStyle/>
+          <a:p>
+            <a:pPr lvl="0"/>
+            <a:r>
+              <a:rPr lang="en-US"/>
+              <a:t>Click to edit Master text styles</a:t>
+            </a:r>
+          </a:p>
+          <a:p>
+            <a:pPr lvl="1"/>
+            <a:r>
+              <a:rPr lang="en-US"/>
+              <a:t>Second level</a:t>
+            </a:r>
+          </a:p>
+          <a:p>
+            <a:pPr lvl="2"/>
+            <a:r>
+              <a:rPr lang="en-US"/>
+              <a:t>Third level</a:t>
+            </a:r>
+          </a:p>
+          <a:p>
+            <a:pPr lvl="3"/>
+            <a:r>
+              <a:rPr lang="en-US"/>
+              <a:t>Fourth level</a:t>
+            </a:r>
+          </a:p>
+          <a:p>
+            <a:pPr lvl="4"/>
+            <a:r>
+              <a:rPr lang="en-US"/>
+              <a:t>Fifth level</a:t>
+            </a:r>
+          </a:p>
+        </p:txBody>
+      </p:sp>
+      <p:sp>
+        <p:nvSpPr>
+          <p:cNvPr id="6" name="Footer Placeholder 5"/>
+          <p:cNvSpPr>
+            <a:spLocks noGrp="1"/>
+          </p:cNvSpPr>
+          <p:nvPr>
+            <p:ph type="ftr" sz="quarter" idx="4"/>
+          </p:nvPr>
+        </p:nvSpPr>
+        <p:spPr>
+          <a:xfrm>
+            <a:off x="0" y="8685213"/>
+            <a:ext cx="2971800" cy="458787"/>
+          </a:xfrm>
+          <a:prstGeom prst="rect">
+            <a:avLst/>
+          </a:prstGeom>
+        </p:spPr>
+        <p:txBody>
+          <a:bodyPr vert="horz" lIns="91440" tIns="45720" rIns="91440" bIns="45720" rtlCol="0" anchor="b"/>
+          <a:lstStyle>
+            <a:lvl1pPr algn="l">
+              <a:defRPr sz="1200"/>
+            </a:lvl1pPr>
+          </a:lstStyle>
+          <a:p>
+            <a:endParaRPr lang="en-US"/>
+          </a:p>
+        </p:txBody>
+      </p:sp>
+      <p:sp>
+        <p:nvSpPr>
+          <p:cNvPr id="7" name="Slide Number Placeholder 6"/>
+          <p:cNvSpPr>
+            <a:spLocks noGrp="1"/>
+          </p:cNvSpPr>
+          <p:nvPr>
+            <p:ph type="sldNum" sz="quarter" idx="5"/>
+          </p:nvPr>
+        </p:nvSpPr>
+        <p:spPr>
+          <a:xfrm>
+            <a:off x="3884613" y="8685213"/>
+            <a:ext cx="2971800" cy="458787"/>
+          </a:xfrm>
+          <a:prstGeom prst="rect">
+            <a:avLst/>
+          </a:prstGeom>
+        </p:spPr>
+        <p:txBody>
+          <a:bodyPr vert="horz" lIns="91440" tIns="45720" rIns="91440" bIns="45720" rtlCol="0" anchor="b"/>
+          <a:lstStyle>
+            <a:lvl1pPr algn="r">
+              <a:defRPr sz="1200"/>
+            </a:lvl1pPr>
+          </a:lstStyle>
+          <a:p>
+            <a:fld id="{638EAFA4-A826-D24A-8948-D0B39EB9DE35}" type="slidenum">
+              <a:rPr lang="en-US" smtClean="0"/>
+              <a:t>‹#›</a:t>
+            </a:fld>
+            <a:endParaRPr lang="en-US"/>
+          </a:p>
+        </p:txBody>
+      </p:sp>
+    </p:spTree>
+    <p:extLst>
+      <p:ext uri="{BB962C8B-B14F-4D97-AF65-F5344CB8AC3E}">
+        <p14:creationId xmlns:p14="http://schemas.microsoft.com/office/powerpoint/2010/main" val="1740696594"/>
+      </p:ext>
+    </p:extLst>
+  </p:cSld>
+  <p:clrMap bg1="lt1" tx1="dk1" bg2="lt2" tx2="dk2" accent1="accent1" accent2="accent2" accent3="accent3" accent4="accent4" accent5="accent5" accent6="accent6" hlink="hlink" folHlink="folHlink"/>
+  <p:notesStyle>
+    <a:lvl1pPr marL="0" algn="l" defTabSz="914400" rtl="0" eaLnBrk="1" latinLnBrk="0" hangingPunct="1">
+      <a:defRPr sz="1200" kern="1200">
+        <a:solidFill>
+          <a:schemeClr val="tx1"/>
+        </a:solidFill>
+        <a:latin typeface="+mn-lt"/>
+        <a:ea typeface="+mn-ea"/>
+        <a:cs typeface="+mn-cs"/>
+      </a:defRPr>
+    </a:lvl1pPr>
+    <a:lvl2pPr marL="457200" algn="l" defTabSz="914400" rtl="0" eaLnBrk="1" latinLnBrk="0" hangingPunct="1">
+      <a:defRPr sz="1200" kern="1200">
+        <a:solidFill>
+          <a:schemeClr val="tx1"/>
+        </a:solidFill>
+        <a:latin typeface="+mn-lt"/>
+        <a:ea typeface="+mn-ea"/>
+        <a:cs typeface="+mn-cs"/>
+      </a:defRPr>
+    </a:lvl2pPr>
+    <a:lvl3pPr marL="914400" algn="l" defTabSz="914400" rtl="0" eaLnBrk="1" latinLnBrk="0" hangingPunct="1">
+      <a:defRPr sz="1200" kern="1200">
+        <a:solidFill>
+          <a:schemeClr val="tx1"/>
+        </a:solidFill>
+        <a:latin typeface="+mn-lt"/>
+        <a:ea typeface="+mn-ea"/>
+        <a:cs typeface="+mn-cs"/>
+      </a:defRPr>
+    </a:lvl3pPr>
+    <a:lvl4pPr marL="1371600" algn="l" defTabSz="914400" rtl="0" eaLnBrk="1" latinLnBrk="0" hangingPunct="1">
+      <a:defRPr sz="1200" kern="1200">
+        <a:solidFill>
+          <a:schemeClr val="tx1"/>
+        </a:solidFill>
+        <a:latin typeface="+mn-lt"/>
+        <a:ea typeface="+mn-ea"/>
+        <a:cs typeface="+mn-cs"/>
+      </a:defRPr>
+    </a:lvl4pPr>
+    <a:lvl5pPr marL="1828800" algn="l" defTabSz="914400" rtl="0" eaLnBrk="1" latinLnBrk="0" hangingPunct="1">
+      <a:defRPr sz="1200" kern="1200">
+        <a:solidFill>
+          <a:schemeClr val="tx1"/>
+        </a:solidFill>
+        <a:latin typeface="+mn-lt"/>
+        <a:ea typeface="+mn-ea"/>
+        <a:cs typeface="+mn-cs"/>
+      </a:defRPr>
+    </a:lvl5pPr>
+    <a:lvl6pPr marL="2286000" algn="l" defTabSz="914400" rtl="0" eaLnBrk="1" latinLnBrk="0" hangingPunct="1">
+      <a:defRPr sz="1200" kern="1200">
+        <a:solidFill>
+          <a:schemeClr val="tx1"/>
+        </a:solidFill>
+        <a:latin typeface="+mn-lt"/>
+        <a:ea typeface="+mn-ea"/>
+        <a:cs typeface="+mn-cs"/>
+      </a:defRPr>
+    </a:lvl6pPr>
+    <a:lvl7pPr marL="2743200" algn="l" defTabSz="914400" rtl="0" eaLnBrk="1" latinLnBrk="0" hangingPunct="1">
+      <a:defRPr sz="1200" kern="1200">
+        <a:solidFill>
+          <a:schemeClr val="tx1"/>
+        </a:solidFill>
+        <a:latin typeface="+mn-lt"/>
+        <a:ea typeface="+mn-ea"/>
+        <a:cs typeface="+mn-cs"/>
+      </a:defRPr>
+    </a:lvl7pPr>
+    <a:lvl8pPr marL="3200400" algn="l" defTabSz="914400" rtl="0" eaLnBrk="1" latinLnBrk="0" hangingPunct="1">
+      <a:defRPr sz="1200" kern="1200">
+        <a:solidFill>
+          <a:schemeClr val="tx1"/>
+        </a:solidFill>
+        <a:latin typeface="+mn-lt"/>
+        <a:ea typeface="+mn-ea"/>
+        <a:cs typeface="+mn-cs"/>
+      </a:defRPr>
+    </a:lvl8pPr>
+    <a:lvl9pPr marL="3657600" algn="l" defTabSz="914400" rtl="0" eaLnBrk="1" latinLnBrk="0" hangingPunct="1">
+      <a:defRPr sz="1200" kern="1200">
+        <a:solidFill>
+          <a:schemeClr val="tx1"/>
+        </a:solidFill>
+        <a:latin typeface="+mn-lt"/>
+        <a:ea typeface="+mn-ea"/>
+        <a:cs typeface="+mn-cs"/>
+      </a:defRPr>
+    </a:lvl9pPr>
+  </p:notesStyle>
+</p:notesMaster>
+</file>
+
+<file path=ppt/notesSlides/notesSlide1.xml><?xml version="1.0" encoding="utf-8"?>
+<p:notes xmlns:a="http://schemas.openxmlformats.org/drawingml/2006/main" xmlns:r="http://schemas.openxmlformats.org/officeDocument/2006/relationships" xmlns:p="http://schemas.openxmlformats.org/presentationml/2006/main">
+  <p:cSld>
+    <p:spTree>
+      <p:nvGrpSpPr>
+        <p:cNvPr id="1" name=""/>
+        <p:cNvGrpSpPr/>
+        <p:nvPr/>
+      </p:nvGrpSpPr>
+      <p:grpSpPr>
+        <a:xfrm>
+          <a:off x="0" y="0"/>
+          <a:ext cx="0" cy="0"/>
+          <a:chOff x="0" y="0"/>
+          <a:chExt cx="0" cy="0"/>
+        </a:xfrm>
+      </p:grpSpPr>
+      <p:sp>
+        <p:nvSpPr>
+          <p:cNvPr id="2" name="Slide Image Placeholder 1"/>
+          <p:cNvSpPr>
+            <a:spLocks noGrp="1" noRot="1" noChangeAspect="1"/>
+          </p:cNvSpPr>
+          <p:nvPr>
+            <p:ph type="sldImg"/>
+          </p:nvPr>
+        </p:nvSpPr>
+        <p:spPr/>
+      </p:sp>
+      <p:sp>
+        <p:nvSpPr>
+          <p:cNvPr id="3" name="Notes Placeholder 2"/>
+          <p:cNvSpPr>
+            <a:spLocks noGrp="1"/>
+          </p:cNvSpPr>
+          <p:nvPr>
+            <p:ph type="body" idx="1"/>
+          </p:nvPr>
+        </p:nvSpPr>
+        <p:spPr/>
+        <p:txBody>
+          <a:bodyPr/>
+          <a:lstStyle/>
+          <a:p>
+            <a:r>
+              <a:rPr lang="en-US" dirty="0"/>
+              <a:t>A top of line programmable switch has 10s of MBs of SRAM. </a:t>
+            </a:r>
+          </a:p>
+        </p:txBody>
+      </p:sp>
+      <p:sp>
+        <p:nvSpPr>
+          <p:cNvPr id="4" name="Slide Number Placeholder 3"/>
+          <p:cNvSpPr>
+            <a:spLocks noGrp="1"/>
+          </p:cNvSpPr>
+          <p:nvPr>
+            <p:ph type="sldNum" sz="quarter" idx="5"/>
+          </p:nvPr>
+        </p:nvSpPr>
+        <p:spPr/>
+        <p:txBody>
+          <a:bodyPr/>
+          <a:lstStyle/>
+          <a:p>
+            <a:fld id="{638EAFA4-A826-D24A-8948-D0B39EB9DE35}" type="slidenum">
+              <a:rPr lang="en-US" smtClean="0"/>
+              <a:t>8</a:t>
+            </a:fld>
+            <a:endParaRPr lang="en-US"/>
+          </a:p>
+        </p:txBody>
+      </p:sp>
+    </p:spTree>
+    <p:extLst>
+      <p:ext uri="{BB962C8B-B14F-4D97-AF65-F5344CB8AC3E}">
+        <p14:creationId xmlns:p14="http://schemas.microsoft.com/office/powerpoint/2010/main" val="641150790"/>
+      </p:ext>
+    </p:extLst>
+  </p:cSld>
+  <p:clrMapOvr>
+    <a:masterClrMapping/>
+  </p:clrMapOvr>
+</p:notes>
+</file>
+
+<file path=ppt/notesSlides/notesSlide2.xml><?xml version="1.0" encoding="utf-8"?>
+<p:notes xmlns:a="http://schemas.openxmlformats.org/drawingml/2006/main" xmlns:r="http://schemas.openxmlformats.org/officeDocument/2006/relationships" xmlns:p="http://schemas.openxmlformats.org/presentationml/2006/main">
+  <p:cSld>
+    <p:spTree>
+      <p:nvGrpSpPr>
+        <p:cNvPr id="1" name="">
+          <a:extLst>
+            <a:ext uri="{FF2B5EF4-FFF2-40B4-BE49-F238E27FC236}">
+              <a16:creationId xmlns:a16="http://schemas.microsoft.com/office/drawing/2014/main" id="{1542B1E3-10A7-B07B-88B1-3CA27F461304}"/>
+            </a:ext>
+          </a:extLst>
+        </p:cNvPr>
+        <p:cNvGrpSpPr/>
+        <p:nvPr/>
+      </p:nvGrpSpPr>
+      <p:grpSpPr>
+        <a:xfrm>
+          <a:off x="0" y="0"/>
+          <a:ext cx="0" cy="0"/>
+          <a:chOff x="0" y="0"/>
+          <a:chExt cx="0" cy="0"/>
+        </a:xfrm>
+      </p:grpSpPr>
+      <p:sp>
+        <p:nvSpPr>
+          <p:cNvPr id="2" name="Slide Image Placeholder 1">
+            <a:extLst>
+              <a:ext uri="{FF2B5EF4-FFF2-40B4-BE49-F238E27FC236}">
+                <a16:creationId xmlns:a16="http://schemas.microsoft.com/office/drawing/2014/main" id="{D768688F-3DDB-9541-BCCB-2E42768F5552}"/>
+              </a:ext>
+            </a:extLst>
+          </p:cNvPr>
+          <p:cNvSpPr>
+            <a:spLocks noGrp="1" noRot="1" noChangeAspect="1"/>
+          </p:cNvSpPr>
+          <p:nvPr>
+            <p:ph type="sldImg"/>
+          </p:nvPr>
+        </p:nvSpPr>
+        <p:spPr/>
+      </p:sp>
+      <p:sp>
+        <p:nvSpPr>
+          <p:cNvPr id="3" name="Notes Placeholder 2">
+            <a:extLst>
+              <a:ext uri="{FF2B5EF4-FFF2-40B4-BE49-F238E27FC236}">
+                <a16:creationId xmlns:a16="http://schemas.microsoft.com/office/drawing/2014/main" id="{F5952A98-F55D-63E8-FD86-3F09DDD036F7}"/>
+              </a:ext>
+            </a:extLst>
+          </p:cNvPr>
+          <p:cNvSpPr>
+            <a:spLocks noGrp="1"/>
+          </p:cNvSpPr>
+          <p:nvPr>
+            <p:ph type="body" idx="1"/>
+          </p:nvPr>
+        </p:nvSpPr>
+        <p:spPr/>
+        <p:txBody>
+          <a:bodyPr/>
+          <a:lstStyle/>
+          <a:p>
+            <a:r>
+              <a:rPr lang="en-US" dirty="0"/>
+              <a:t>A top of line programmable switch has 10s of MBs of SRAM. </a:t>
+            </a:r>
+          </a:p>
+        </p:txBody>
+      </p:sp>
+      <p:sp>
+        <p:nvSpPr>
+          <p:cNvPr id="4" name="Slide Number Placeholder 3">
+            <a:extLst>
+              <a:ext uri="{FF2B5EF4-FFF2-40B4-BE49-F238E27FC236}">
+                <a16:creationId xmlns:a16="http://schemas.microsoft.com/office/drawing/2014/main" id="{B88C9F60-446A-E043-D442-B87F43B3BB2C}"/>
+              </a:ext>
+            </a:extLst>
+          </p:cNvPr>
+          <p:cNvSpPr>
+            <a:spLocks noGrp="1"/>
+          </p:cNvSpPr>
+          <p:nvPr>
+            <p:ph type="sldNum" sz="quarter" idx="5"/>
+          </p:nvPr>
+        </p:nvSpPr>
+        <p:spPr/>
+        <p:txBody>
+          <a:bodyPr/>
+          <a:lstStyle/>
+          <a:p>
+            <a:fld id="{638EAFA4-A826-D24A-8948-D0B39EB9DE35}" type="slidenum">
+              <a:rPr lang="en-US" smtClean="0"/>
+              <a:t>9</a:t>
+            </a:fld>
+            <a:endParaRPr lang="en-US"/>
+          </a:p>
+        </p:txBody>
+      </p:sp>
+    </p:spTree>
+    <p:extLst>
+      <p:ext uri="{BB962C8B-B14F-4D97-AF65-F5344CB8AC3E}">
+        <p14:creationId xmlns:p14="http://schemas.microsoft.com/office/powerpoint/2010/main" val="3361586277"/>
+      </p:ext>
+    </p:extLst>
+  </p:cSld>
+  <p:clrMapOvr>
+    <a:masterClrMapping/>
+  </p:clrMapOvr>
+</p:notes>
+</file>
+
+<file path=ppt/notesSlides/notesSlide3.xml><?xml version="1.0" encoding="utf-8"?>
+<p:notes xmlns:a="http://schemas.openxmlformats.org/drawingml/2006/main" xmlns:r="http://schemas.openxmlformats.org/officeDocument/2006/relationships" xmlns:p="http://schemas.openxmlformats.org/presentationml/2006/main">
+  <p:cSld>
+    <p:spTree>
+      <p:nvGrpSpPr>
+        <p:cNvPr id="1" name="">
+          <a:extLst>
+            <a:ext uri="{FF2B5EF4-FFF2-40B4-BE49-F238E27FC236}">
+              <a16:creationId xmlns:a16="http://schemas.microsoft.com/office/drawing/2014/main" id="{843DC4C8-2E5F-0F5E-D42B-2BAF7612D7EF}"/>
+            </a:ext>
+          </a:extLst>
+        </p:cNvPr>
+        <p:cNvGrpSpPr/>
+        <p:nvPr/>
+      </p:nvGrpSpPr>
+      <p:grpSpPr>
+        <a:xfrm>
+          <a:off x="0" y="0"/>
+          <a:ext cx="0" cy="0"/>
+          <a:chOff x="0" y="0"/>
+          <a:chExt cx="0" cy="0"/>
+        </a:xfrm>
+      </p:grpSpPr>
+      <p:sp>
+        <p:nvSpPr>
+          <p:cNvPr id="2" name="Slide Image Placeholder 1">
+            <a:extLst>
+              <a:ext uri="{FF2B5EF4-FFF2-40B4-BE49-F238E27FC236}">
+                <a16:creationId xmlns:a16="http://schemas.microsoft.com/office/drawing/2014/main" id="{DB0398A8-BB85-B721-DB13-454902BF0B7B}"/>
+              </a:ext>
+            </a:extLst>
+          </p:cNvPr>
+          <p:cNvSpPr>
+            <a:spLocks noGrp="1" noRot="1" noChangeAspect="1"/>
+          </p:cNvSpPr>
+          <p:nvPr>
+            <p:ph type="sldImg"/>
+          </p:nvPr>
+        </p:nvSpPr>
+        <p:spPr/>
+      </p:sp>
+      <p:sp>
+        <p:nvSpPr>
+          <p:cNvPr id="3" name="Notes Placeholder 2">
+            <a:extLst>
+              <a:ext uri="{FF2B5EF4-FFF2-40B4-BE49-F238E27FC236}">
+                <a16:creationId xmlns:a16="http://schemas.microsoft.com/office/drawing/2014/main" id="{154C0E25-629A-E40A-A3A5-F8144F944EA4}"/>
+              </a:ext>
+            </a:extLst>
+          </p:cNvPr>
+          <p:cNvSpPr>
+            <a:spLocks noGrp="1"/>
+          </p:cNvSpPr>
+          <p:nvPr>
+            <p:ph type="body" idx="1"/>
+          </p:nvPr>
+        </p:nvSpPr>
+        <p:spPr/>
+        <p:txBody>
+          <a:bodyPr/>
+          <a:lstStyle/>
+          <a:p>
+            <a:r>
+              <a:rPr lang="en-US" dirty="0"/>
+              <a:t>A top of line programmable switch has 10s of MBs of SRAM. </a:t>
+            </a:r>
+          </a:p>
+        </p:txBody>
+      </p:sp>
+      <p:sp>
+        <p:nvSpPr>
+          <p:cNvPr id="4" name="Slide Number Placeholder 3">
+            <a:extLst>
+              <a:ext uri="{FF2B5EF4-FFF2-40B4-BE49-F238E27FC236}">
+                <a16:creationId xmlns:a16="http://schemas.microsoft.com/office/drawing/2014/main" id="{FED2A250-26C0-DA0A-CADA-C7DEA5AAB1F4}"/>
+              </a:ext>
+            </a:extLst>
+          </p:cNvPr>
+          <p:cNvSpPr>
+            <a:spLocks noGrp="1"/>
+          </p:cNvSpPr>
+          <p:nvPr>
+            <p:ph type="sldNum" sz="quarter" idx="5"/>
+          </p:nvPr>
+        </p:nvSpPr>
+        <p:spPr/>
+        <p:txBody>
+          <a:bodyPr/>
+          <a:lstStyle/>
+          <a:p>
+            <a:fld id="{638EAFA4-A826-D24A-8948-D0B39EB9DE35}" type="slidenum">
+              <a:rPr lang="en-US" smtClean="0"/>
+              <a:t>10</a:t>
+            </a:fld>
+            <a:endParaRPr lang="en-US"/>
+          </a:p>
+        </p:txBody>
+      </p:sp>
+    </p:spTree>
+    <p:extLst>
+      <p:ext uri="{BB962C8B-B14F-4D97-AF65-F5344CB8AC3E}">
+        <p14:creationId xmlns:p14="http://schemas.microsoft.com/office/powerpoint/2010/main" val="952221997"/>
+      </p:ext>
+    </p:extLst>
+  </p:cSld>
+  <p:clrMapOvr>
+    <a:masterClrMapping/>
+  </p:clrMapOvr>
+</p:notes>
+</file>
+
+<file path=ppt/notesSlides/notesSlide4.xml><?xml version="1.0" encoding="utf-8"?>
+<p:notes xmlns:a="http://schemas.openxmlformats.org/drawingml/2006/main" xmlns:r="http://schemas.openxmlformats.org/officeDocument/2006/relationships" xmlns:p="http://schemas.openxmlformats.org/presentationml/2006/main">
+  <p:cSld>
+    <p:spTree>
+      <p:nvGrpSpPr>
+        <p:cNvPr id="1" name="">
+          <a:extLst>
+            <a:ext uri="{FF2B5EF4-FFF2-40B4-BE49-F238E27FC236}">
+              <a16:creationId xmlns:a16="http://schemas.microsoft.com/office/drawing/2014/main" id="{9CC20401-F724-9D24-67CD-A1A822C52E60}"/>
+            </a:ext>
+          </a:extLst>
+        </p:cNvPr>
+        <p:cNvGrpSpPr/>
+        <p:nvPr/>
+      </p:nvGrpSpPr>
+      <p:grpSpPr>
+        <a:xfrm>
+          <a:off x="0" y="0"/>
+          <a:ext cx="0" cy="0"/>
+          <a:chOff x="0" y="0"/>
+          <a:chExt cx="0" cy="0"/>
+        </a:xfrm>
+      </p:grpSpPr>
+      <p:sp>
+        <p:nvSpPr>
+          <p:cNvPr id="2" name="Slide Image Placeholder 1">
+            <a:extLst>
+              <a:ext uri="{FF2B5EF4-FFF2-40B4-BE49-F238E27FC236}">
+                <a16:creationId xmlns:a16="http://schemas.microsoft.com/office/drawing/2014/main" id="{FD37A58F-A97C-2682-084D-EC1BB3A9AD23}"/>
+              </a:ext>
+            </a:extLst>
+          </p:cNvPr>
+          <p:cNvSpPr>
+            <a:spLocks noGrp="1" noRot="1" noChangeAspect="1"/>
+          </p:cNvSpPr>
+          <p:nvPr>
+            <p:ph type="sldImg"/>
+          </p:nvPr>
+        </p:nvSpPr>
+        <p:spPr/>
+      </p:sp>
+      <p:sp>
+        <p:nvSpPr>
+          <p:cNvPr id="3" name="Notes Placeholder 2">
+            <a:extLst>
+              <a:ext uri="{FF2B5EF4-FFF2-40B4-BE49-F238E27FC236}">
+                <a16:creationId xmlns:a16="http://schemas.microsoft.com/office/drawing/2014/main" id="{05E71D23-48A9-A97A-E8A2-D5F29AC29471}"/>
+              </a:ext>
+            </a:extLst>
+          </p:cNvPr>
+          <p:cNvSpPr>
+            <a:spLocks noGrp="1"/>
+          </p:cNvSpPr>
+          <p:nvPr>
+            <p:ph type="body" idx="1"/>
+          </p:nvPr>
+        </p:nvSpPr>
+        <p:spPr/>
+        <p:txBody>
+          <a:bodyPr/>
+          <a:lstStyle/>
+          <a:p>
+            <a:r>
+              <a:rPr lang="en-US" dirty="0"/>
+              <a:t>A top of line programmable switch has 10s of MBs of SRAM. </a:t>
+            </a:r>
+          </a:p>
+        </p:txBody>
+      </p:sp>
+      <p:sp>
+        <p:nvSpPr>
+          <p:cNvPr id="4" name="Slide Number Placeholder 3">
+            <a:extLst>
+              <a:ext uri="{FF2B5EF4-FFF2-40B4-BE49-F238E27FC236}">
+                <a16:creationId xmlns:a16="http://schemas.microsoft.com/office/drawing/2014/main" id="{8DEFFA51-3E40-8A92-E413-7816A7E74162}"/>
+              </a:ext>
+            </a:extLst>
+          </p:cNvPr>
+          <p:cNvSpPr>
+            <a:spLocks noGrp="1"/>
+          </p:cNvSpPr>
+          <p:nvPr>
+            <p:ph type="sldNum" sz="quarter" idx="5"/>
+          </p:nvPr>
+        </p:nvSpPr>
+        <p:spPr/>
+        <p:txBody>
+          <a:bodyPr/>
+          <a:lstStyle/>
+          <a:p>
+            <a:fld id="{638EAFA4-A826-D24A-8948-D0B39EB9DE35}" type="slidenum">
+              <a:rPr lang="en-US" smtClean="0"/>
+              <a:t>11</a:t>
+            </a:fld>
+            <a:endParaRPr lang="en-US"/>
+          </a:p>
+        </p:txBody>
+      </p:sp>
+    </p:spTree>
+    <p:extLst>
+      <p:ext uri="{BB962C8B-B14F-4D97-AF65-F5344CB8AC3E}">
+        <p14:creationId xmlns:p14="http://schemas.microsoft.com/office/powerpoint/2010/main" val="3250078417"/>
+      </p:ext>
+    </p:extLst>
+  </p:cSld>
+  <p:clrMapOvr>
+    <a:masterClrMapping/>
+  </p:clrMapOvr>
+</p:notes>
+</file>
+
+<file path=ppt/notesSlides/notesSlide5.xml><?xml version="1.0" encoding="utf-8"?>
+<p:notes xmlns:a="http://schemas.openxmlformats.org/drawingml/2006/main" xmlns:r="http://schemas.openxmlformats.org/officeDocument/2006/relationships" xmlns:p="http://schemas.openxmlformats.org/presentationml/2006/main">
+  <p:cSld>
+    <p:spTree>
+      <p:nvGrpSpPr>
+        <p:cNvPr id="1" name=""/>
+        <p:cNvGrpSpPr/>
+        <p:nvPr/>
+      </p:nvGrpSpPr>
+      <p:grpSpPr>
+        <a:xfrm>
+          <a:off x="0" y="0"/>
+          <a:ext cx="0" cy="0"/>
+          <a:chOff x="0" y="0"/>
+          <a:chExt cx="0" cy="0"/>
+        </a:xfrm>
+      </p:grpSpPr>
+      <p:sp>
+        <p:nvSpPr>
+          <p:cNvPr id="2" name="Slide Image Placeholder 1"/>
+          <p:cNvSpPr>
+            <a:spLocks noGrp="1" noRot="1" noChangeAspect="1"/>
+          </p:cNvSpPr>
+          <p:nvPr>
+            <p:ph type="sldImg"/>
+          </p:nvPr>
+        </p:nvSpPr>
+        <p:spPr/>
+      </p:sp>
+      <p:sp>
+        <p:nvSpPr>
+          <p:cNvPr id="3" name="Notes Placeholder 2"/>
+          <p:cNvSpPr>
+            <a:spLocks noGrp="1"/>
+          </p:cNvSpPr>
+          <p:nvPr>
+            <p:ph type="body" idx="1"/>
+          </p:nvPr>
+        </p:nvSpPr>
+        <p:spPr/>
+        <p:txBody>
+          <a:bodyPr/>
+          <a:lstStyle/>
+          <a:p>
+            <a:r>
+              <a:rPr lang="en-US" dirty="0"/>
+              <a:t>Three classes, high precision, low precision, prune</a:t>
+            </a:r>
+            <a:br>
+              <a:rPr lang="en-US" dirty="0"/>
+            </a:br>
+            <a:r>
+              <a:rPr lang="en-US" dirty="0"/>
+              <a:t>How are positions handled, I thought position information is baked into the values</a:t>
+            </a:r>
+          </a:p>
+        </p:txBody>
+      </p:sp>
+      <p:sp>
+        <p:nvSpPr>
+          <p:cNvPr id="4" name="Slide Number Placeholder 3"/>
+          <p:cNvSpPr>
+            <a:spLocks noGrp="1"/>
+          </p:cNvSpPr>
+          <p:nvPr>
+            <p:ph type="sldNum" sz="quarter" idx="5"/>
+          </p:nvPr>
+        </p:nvSpPr>
+        <p:spPr/>
+        <p:txBody>
+          <a:bodyPr/>
+          <a:lstStyle/>
+          <a:p>
+            <a:fld id="{638EAFA4-A826-D24A-8948-D0B39EB9DE35}" type="slidenum">
+              <a:rPr lang="en-US" smtClean="0"/>
+              <a:t>14</a:t>
+            </a:fld>
+            <a:endParaRPr lang="en-US"/>
+          </a:p>
+        </p:txBody>
+      </p:sp>
+    </p:spTree>
+    <p:extLst>
+      <p:ext uri="{BB962C8B-B14F-4D97-AF65-F5344CB8AC3E}">
+        <p14:creationId xmlns:p14="http://schemas.microsoft.com/office/powerpoint/2010/main" val="1076153223"/>
+      </p:ext>
+    </p:extLst>
+  </p:cSld>
+  <p:clrMapOvr>
+    <a:masterClrMapping/>
+  </p:clrMapOvr>
+</p:notes>
+</file>
+
+<file path=ppt/notesSlides/notesSlide6.xml><?xml version="1.0" encoding="utf-8"?>
+<p:notes xmlns:a="http://schemas.openxmlformats.org/drawingml/2006/main" xmlns:r="http://schemas.openxmlformats.org/officeDocument/2006/relationships" xmlns:p="http://schemas.openxmlformats.org/presentationml/2006/main">
+  <p:cSld>
+    <p:spTree>
+      <p:nvGrpSpPr>
+        <p:cNvPr id="1" name=""/>
+        <p:cNvGrpSpPr/>
+        <p:nvPr/>
+      </p:nvGrpSpPr>
+      <p:grpSpPr>
+        <a:xfrm>
+          <a:off x="0" y="0"/>
+          <a:ext cx="0" cy="0"/>
+          <a:chOff x="0" y="0"/>
+          <a:chExt cx="0" cy="0"/>
+        </a:xfrm>
+      </p:grpSpPr>
+      <p:sp>
+        <p:nvSpPr>
+          <p:cNvPr id="2" name="Slide Image Placeholder 1"/>
+          <p:cNvSpPr>
+            <a:spLocks noGrp="1" noRot="1" noChangeAspect="1"/>
+          </p:cNvSpPr>
+          <p:nvPr>
+            <p:ph type="sldImg"/>
+          </p:nvPr>
+        </p:nvSpPr>
+        <p:spPr/>
+      </p:sp>
+      <p:sp>
+        <p:nvSpPr>
+          <p:cNvPr id="3" name="Notes Placeholder 2"/>
+          <p:cNvSpPr>
+            <a:spLocks noGrp="1"/>
+          </p:cNvSpPr>
+          <p:nvPr>
+            <p:ph type="body" idx="1"/>
+          </p:nvPr>
+        </p:nvSpPr>
+        <p:spPr/>
+        <p:txBody>
+          <a:bodyPr/>
+          <a:lstStyle/>
+          <a:p>
+            <a:r>
+              <a:rPr lang="en-US" dirty="0"/>
+              <a:t>The spread is the standard deviation calculated across requests</a:t>
+            </a:r>
+          </a:p>
+        </p:txBody>
+      </p:sp>
+      <p:sp>
+        <p:nvSpPr>
+          <p:cNvPr id="4" name="Slide Number Placeholder 3"/>
+          <p:cNvSpPr>
+            <a:spLocks noGrp="1"/>
+          </p:cNvSpPr>
+          <p:nvPr>
+            <p:ph type="sldNum" sz="quarter" idx="5"/>
+          </p:nvPr>
+        </p:nvSpPr>
+        <p:spPr/>
+        <p:txBody>
+          <a:bodyPr/>
+          <a:lstStyle/>
+          <a:p>
+            <a:fld id="{638EAFA4-A826-D24A-8948-D0B39EB9DE35}" type="slidenum">
+              <a:rPr lang="en-US" smtClean="0"/>
+              <a:t>15</a:t>
+            </a:fld>
+            <a:endParaRPr lang="en-US"/>
+          </a:p>
+        </p:txBody>
+      </p:sp>
+    </p:spTree>
+    <p:extLst>
+      <p:ext uri="{BB962C8B-B14F-4D97-AF65-F5344CB8AC3E}">
+        <p14:creationId xmlns:p14="http://schemas.microsoft.com/office/powerpoint/2010/main" val="4137438855"/>
+      </p:ext>
+    </p:extLst>
+  </p:cSld>
+  <p:clrMapOvr>
+    <a:masterClrMapping/>
+  </p:clrMapOvr>
+</p:notes>
 </file>
 
 <file path=ppt/slideLayouts/slideLayout1.xml><?xml version="1.0" encoding="utf-8"?>
@@ -3403,7 +4364,293 @@
 </p:sld>
 </file>
 
-<file path=ppt/slides/slide2.xml><?xml version="1.0" encoding="utf-8"?>
+<file path=ppt/slides/slide10.xml><?xml version="1.0" encoding="utf-8"?>
+<p:sld xmlns:a="http://schemas.openxmlformats.org/drawingml/2006/main" xmlns:r="http://schemas.openxmlformats.org/officeDocument/2006/relationships" xmlns:p="http://schemas.openxmlformats.org/presentationml/2006/main">
+  <p:cSld>
+    <p:spTree>
+      <p:nvGrpSpPr>
+        <p:cNvPr id="1" name="">
+          <a:extLst>
+            <a:ext uri="{FF2B5EF4-FFF2-40B4-BE49-F238E27FC236}">
+              <a16:creationId xmlns:a16="http://schemas.microsoft.com/office/drawing/2014/main" id="{3D486EAA-DBBE-BFEF-1833-99A3DCAB70A0}"/>
+            </a:ext>
+          </a:extLst>
+        </p:cNvPr>
+        <p:cNvGrpSpPr/>
+        <p:nvPr/>
+      </p:nvGrpSpPr>
+      <p:grpSpPr>
+        <a:xfrm>
+          <a:off x="0" y="0"/>
+          <a:ext cx="0" cy="0"/>
+          <a:chOff x="0" y="0"/>
+          <a:chExt cx="0" cy="0"/>
+        </a:xfrm>
+      </p:grpSpPr>
+      <p:sp>
+        <p:nvSpPr>
+          <p:cNvPr id="2" name="Title 1">
+            <a:extLst>
+              <a:ext uri="{FF2B5EF4-FFF2-40B4-BE49-F238E27FC236}">
+                <a16:creationId xmlns:a16="http://schemas.microsoft.com/office/drawing/2014/main" id="{5C502F06-1DEC-0187-2BF9-28020B447607}"/>
+              </a:ext>
+            </a:extLst>
+          </p:cNvPr>
+          <p:cNvSpPr>
+            <a:spLocks noGrp="1"/>
+          </p:cNvSpPr>
+          <p:nvPr>
+            <p:ph type="title"/>
+          </p:nvPr>
+        </p:nvSpPr>
+        <p:spPr/>
+        <p:txBody>
+          <a:bodyPr/>
+          <a:lstStyle/>
+          <a:p>
+            <a:r>
+              <a:rPr lang="en-US" dirty="0"/>
+              <a:t>Background -- KV Cache </a:t>
+            </a:r>
+            <a:r>
+              <a:rPr lang="en-US" dirty="0">
+                <a:solidFill>
+                  <a:srgbClr val="FF0000"/>
+                </a:solidFill>
+              </a:rPr>
+              <a:t>Paged</a:t>
+            </a:r>
+          </a:p>
+        </p:txBody>
+      </p:sp>
+      <p:sp>
+        <p:nvSpPr>
+          <p:cNvPr id="4" name="TextBox 3">
+            <a:extLst>
+              <a:ext uri="{FF2B5EF4-FFF2-40B4-BE49-F238E27FC236}">
+                <a16:creationId xmlns:a16="http://schemas.microsoft.com/office/drawing/2014/main" id="{F71605E6-A9FF-1610-2D16-022528C7F340}"/>
+              </a:ext>
+            </a:extLst>
+          </p:cNvPr>
+          <p:cNvSpPr txBox="1"/>
+          <p:nvPr/>
+        </p:nvSpPr>
+        <p:spPr>
+          <a:xfrm>
+            <a:off x="838200" y="1893455"/>
+            <a:ext cx="9774382" cy="1754326"/>
+          </a:xfrm>
+          <a:prstGeom prst="rect">
+            <a:avLst/>
+          </a:prstGeom>
+          <a:noFill/>
+        </p:spPr>
+        <p:txBody>
+          <a:bodyPr wrap="square" rtlCol="0">
+            <a:spAutoFit/>
+          </a:bodyPr>
+          <a:lstStyle/>
+          <a:p>
+            <a:pPr marL="285750" indent="-285750">
+              <a:buFont typeface="Arial" panose="020B0604020202020204" pitchFamily="34" charset="0"/>
+              <a:buChar char="•"/>
+            </a:pPr>
+            <a:r>
+              <a:rPr lang="en-US" dirty="0" err="1"/>
+              <a:t>PagedAttention</a:t>
+            </a:r>
+            <a:r>
+              <a:rPr lang="en-US" dirty="0"/>
+              <a:t>, a new attention computation mechanism</a:t>
+            </a:r>
+          </a:p>
+          <a:p>
+            <a:pPr marL="742950" lvl="1" indent="-285750">
+              <a:buFont typeface="Arial" panose="020B0604020202020204" pitchFamily="34" charset="0"/>
+              <a:buChar char="•"/>
+            </a:pPr>
+            <a:r>
+              <a:rPr lang="en-US" dirty="0"/>
+              <a:t>Does not require all KV to be present in a single (contiguous) chunk</a:t>
+            </a:r>
+          </a:p>
+          <a:p>
+            <a:pPr marL="742950" lvl="1" indent="-285750">
+              <a:buFont typeface="Arial" panose="020B0604020202020204" pitchFamily="34" charset="0"/>
+              <a:buChar char="•"/>
+            </a:pPr>
+            <a:r>
+              <a:rPr lang="en-US" dirty="0"/>
+              <a:t>Can work with KV present in several chunks</a:t>
+            </a:r>
+          </a:p>
+          <a:p>
+            <a:pPr marL="742950" lvl="1" indent="-285750">
+              <a:buFont typeface="Arial" panose="020B0604020202020204" pitchFamily="34" charset="0"/>
+              <a:buChar char="•"/>
+            </a:pPr>
+            <a:r>
+              <a:rPr lang="en-US" dirty="0"/>
+              <a:t>Computes block/chunk wise attention</a:t>
+            </a:r>
+          </a:p>
+          <a:p>
+            <a:pPr marL="285750" indent="-285750">
+              <a:buFont typeface="Arial" panose="020B0604020202020204" pitchFamily="34" charset="0"/>
+              <a:buChar char="•"/>
+            </a:pPr>
+            <a:r>
+              <a:rPr lang="en-US" dirty="0"/>
+              <a:t>This allows KV cache to be stored in non-contiguous memory</a:t>
+            </a:r>
+          </a:p>
+          <a:p>
+            <a:pPr marL="285750" indent="-285750">
+              <a:buFont typeface="Arial" panose="020B0604020202020204" pitchFamily="34" charset="0"/>
+              <a:buChar char="•"/>
+            </a:pPr>
+            <a:r>
+              <a:rPr lang="en-US" dirty="0"/>
+              <a:t>OS-virtual-memory like paging is introduced to the KV cache</a:t>
+            </a:r>
+          </a:p>
+        </p:txBody>
+      </p:sp>
+    </p:spTree>
+    <p:extLst>
+      <p:ext uri="{BB962C8B-B14F-4D97-AF65-F5344CB8AC3E}">
+        <p14:creationId xmlns:p14="http://schemas.microsoft.com/office/powerpoint/2010/main" val="3114386149"/>
+      </p:ext>
+    </p:extLst>
+  </p:cSld>
+  <p:clrMapOvr>
+    <a:masterClrMapping/>
+  </p:clrMapOvr>
+</p:sld>
+</file>
+
+<file path=ppt/slides/slide11.xml><?xml version="1.0" encoding="utf-8"?>
+<p:sld xmlns:a="http://schemas.openxmlformats.org/drawingml/2006/main" xmlns:r="http://schemas.openxmlformats.org/officeDocument/2006/relationships" xmlns:p="http://schemas.openxmlformats.org/presentationml/2006/main">
+  <p:cSld>
+    <p:spTree>
+      <p:nvGrpSpPr>
+        <p:cNvPr id="1" name="">
+          <a:extLst>
+            <a:ext uri="{FF2B5EF4-FFF2-40B4-BE49-F238E27FC236}">
+              <a16:creationId xmlns:a16="http://schemas.microsoft.com/office/drawing/2014/main" id="{2C17B522-217F-DA8A-43A9-0E1B5FB9AF4A}"/>
+            </a:ext>
+          </a:extLst>
+        </p:cNvPr>
+        <p:cNvGrpSpPr/>
+        <p:nvPr/>
+      </p:nvGrpSpPr>
+      <p:grpSpPr>
+        <a:xfrm>
+          <a:off x="0" y="0"/>
+          <a:ext cx="0" cy="0"/>
+          <a:chOff x="0" y="0"/>
+          <a:chExt cx="0" cy="0"/>
+        </a:xfrm>
+      </p:grpSpPr>
+      <p:sp>
+        <p:nvSpPr>
+          <p:cNvPr id="2" name="Title 1">
+            <a:extLst>
+              <a:ext uri="{FF2B5EF4-FFF2-40B4-BE49-F238E27FC236}">
+                <a16:creationId xmlns:a16="http://schemas.microsoft.com/office/drawing/2014/main" id="{D781791E-339F-645A-BBEC-5ED342AB0E5D}"/>
+              </a:ext>
+            </a:extLst>
+          </p:cNvPr>
+          <p:cNvSpPr>
+            <a:spLocks noGrp="1"/>
+          </p:cNvSpPr>
+          <p:nvPr>
+            <p:ph type="title"/>
+          </p:nvPr>
+        </p:nvSpPr>
+        <p:spPr/>
+        <p:txBody>
+          <a:bodyPr/>
+          <a:lstStyle/>
+          <a:p>
+            <a:r>
+              <a:rPr lang="en-US" dirty="0"/>
+              <a:t>Background -- KV Cache </a:t>
+            </a:r>
+            <a:r>
+              <a:rPr lang="en-US" dirty="0">
+                <a:solidFill>
+                  <a:srgbClr val="FF0000"/>
+                </a:solidFill>
+              </a:rPr>
+              <a:t>Pruning</a:t>
+            </a:r>
+          </a:p>
+        </p:txBody>
+      </p:sp>
+      <p:sp>
+        <p:nvSpPr>
+          <p:cNvPr id="4" name="TextBox 3">
+            <a:extLst>
+              <a:ext uri="{FF2B5EF4-FFF2-40B4-BE49-F238E27FC236}">
+                <a16:creationId xmlns:a16="http://schemas.microsoft.com/office/drawing/2014/main" id="{11EE5B15-072C-BF07-C4F0-6DA3E1535F48}"/>
+              </a:ext>
+            </a:extLst>
+          </p:cNvPr>
+          <p:cNvSpPr txBox="1"/>
+          <p:nvPr/>
+        </p:nvSpPr>
+        <p:spPr>
+          <a:xfrm>
+            <a:off x="838200" y="1893455"/>
+            <a:ext cx="9774382" cy="646331"/>
+          </a:xfrm>
+          <a:prstGeom prst="rect">
+            <a:avLst/>
+          </a:prstGeom>
+          <a:noFill/>
+        </p:spPr>
+        <p:txBody>
+          <a:bodyPr wrap="square" rtlCol="0">
+            <a:spAutoFit/>
+          </a:bodyPr>
+          <a:lstStyle/>
+          <a:p>
+            <a:pPr marL="285750" indent="-285750">
+              <a:buFont typeface="Arial" panose="020B0604020202020204" pitchFamily="34" charset="0"/>
+              <a:buChar char="•"/>
+            </a:pPr>
+            <a:r>
+              <a:rPr lang="en-US" dirty="0"/>
+              <a:t>Use attention scores of tokens to find critical and non-critical tokens</a:t>
+            </a:r>
+          </a:p>
+          <a:p>
+            <a:pPr marL="285750" indent="-285750">
+              <a:buFont typeface="Arial" panose="020B0604020202020204" pitchFamily="34" charset="0"/>
+              <a:buChar char="•"/>
+            </a:pPr>
+            <a:r>
+              <a:rPr lang="en-US" dirty="0"/>
+              <a:t>Drop non-critical tokens’ KV and suffer a little bit in the output</a:t>
+            </a:r>
+          </a:p>
+        </p:txBody>
+      </p:sp>
+    </p:spTree>
+    <p:extLst>
+      <p:ext uri="{BB962C8B-B14F-4D97-AF65-F5344CB8AC3E}">
+        <p14:creationId xmlns:p14="http://schemas.microsoft.com/office/powerpoint/2010/main" val="969076116"/>
+      </p:ext>
+    </p:extLst>
+  </p:cSld>
+  <p:clrMapOvr>
+    <a:masterClrMapping/>
+  </p:clrMapOvr>
+</p:sld>
+</file>
+
+<file path=ppt/slides/slide12.xml><?xml version="1.0" encoding="utf-8"?>
 <p:sld xmlns:a="http://schemas.openxmlformats.org/drawingml/2006/main" xmlns:r="http://schemas.openxmlformats.org/officeDocument/2006/relationships" xmlns:p="http://schemas.openxmlformats.org/presentationml/2006/main">
   <p:cSld>
     <p:spTree>
@@ -3425,7 +4672,7 @@
           <p:cNvPr id="2" name="Title 1">
             <a:extLst>
               <a:ext uri="{FF2B5EF4-FFF2-40B4-BE49-F238E27FC236}">
-                <a16:creationId xmlns:a16="http://schemas.microsoft.com/office/drawing/2014/main" id="{FF3928B3-63B5-DC6F-3377-8F14F672C8BF}"/>
+                <a16:creationId xmlns:a16="http://schemas.microsoft.com/office/drawing/2014/main" id="{6E728511-F11C-53C4-A71E-12D7829613E0}"/>
               </a:ext>
             </a:extLst>
           </p:cNvPr>
@@ -3443,58 +4690,26 @@
           <a:p>
             <a:r>
               <a:rPr lang="en-US" dirty="0"/>
-              <a:t>KV Cache Compression</a:t>
-            </a:r>
-          </a:p>
-        </p:txBody>
-      </p:sp>
-      <p:sp>
-        <p:nvSpPr>
-          <p:cNvPr id="3" name="Content Placeholder 2">
-            <a:extLst>
-              <a:ext uri="{FF2B5EF4-FFF2-40B4-BE49-F238E27FC236}">
-                <a16:creationId xmlns:a16="http://schemas.microsoft.com/office/drawing/2014/main" id="{4D1BD3F7-38CA-5BA3-5924-810010366E20}"/>
-              </a:ext>
-            </a:extLst>
-          </p:cNvPr>
-          <p:cNvSpPr>
-            <a:spLocks noGrp="1"/>
-          </p:cNvSpPr>
-          <p:nvPr>
-            <p:ph idx="1"/>
-          </p:nvPr>
-        </p:nvSpPr>
-        <p:spPr/>
-        <p:txBody>
-          <a:bodyPr/>
-          <a:lstStyle/>
-          <a:p>
-            <a:r>
-              <a:rPr lang="en-US" dirty="0"/>
-              <a:t>Fine grained</a:t>
-            </a:r>
-          </a:p>
-          <a:p>
-            <a:r>
-              <a:rPr lang="en-US" dirty="0"/>
-              <a:t>On-GPU memory management for low overhead</a:t>
+              <a:t>Case for Differentiation – Keys and Values</a:t>
             </a:r>
           </a:p>
         </p:txBody>
       </p:sp>
       <p:pic>
         <p:nvPicPr>
-          <p:cNvPr id="5" name="Picture 4" descr="A diagram of a number&#10;&#10;AI-generated content may be incorrect.">
-            <a:extLst>
-              <a:ext uri="{FF2B5EF4-FFF2-40B4-BE49-F238E27FC236}">
-                <a16:creationId xmlns:a16="http://schemas.microsoft.com/office/drawing/2014/main" id="{A533A69A-4CE1-83F4-5650-46F106641D98}"/>
+          <p:cNvPr id="5" name="Content Placeholder 4" descr="A mathematical equations and formulas&#10;&#10;AI-generated content may be incorrect.">
+            <a:extLst>
+              <a:ext uri="{FF2B5EF4-FFF2-40B4-BE49-F238E27FC236}">
+                <a16:creationId xmlns:a16="http://schemas.microsoft.com/office/drawing/2014/main" id="{03EDFB27-0EF0-B27F-E128-63FD5FA5F702}"/>
               </a:ext>
             </a:extLst>
           </p:cNvPr>
           <p:cNvPicPr>
-            <a:picLocks noChangeAspect="1"/>
+            <a:picLocks noGrp="1" noChangeAspect="1"/>
           </p:cNvPicPr>
-          <p:nvPr/>
+          <p:nvPr>
+            <p:ph idx="1"/>
+          </p:nvPr>
         </p:nvPicPr>
         <p:blipFill>
           <a:blip r:embed="rId2"/>
@@ -3504,8 +4719,343 @@
         </p:blipFill>
         <p:spPr>
           <a:xfrm>
-            <a:off x="757382" y="1395979"/>
-            <a:ext cx="8238836" cy="5210629"/>
+            <a:off x="2251188" y="1690688"/>
+            <a:ext cx="6301684" cy="2594811"/>
+          </a:xfrm>
+        </p:spPr>
+      </p:pic>
+      <p:sp>
+        <p:nvSpPr>
+          <p:cNvPr id="7" name="TextBox 6">
+            <a:extLst>
+              <a:ext uri="{FF2B5EF4-FFF2-40B4-BE49-F238E27FC236}">
+                <a16:creationId xmlns:a16="http://schemas.microsoft.com/office/drawing/2014/main" id="{BBFD64FD-7BC5-26FA-B81C-6212F7D1D036}"/>
+              </a:ext>
+            </a:extLst>
+          </p:cNvPr>
+          <p:cNvSpPr txBox="1"/>
+          <p:nvPr/>
+        </p:nvSpPr>
+        <p:spPr>
+          <a:xfrm>
+            <a:off x="1208809" y="4844146"/>
+            <a:ext cx="9774382" cy="646331"/>
+          </a:xfrm>
+          <a:prstGeom prst="rect">
+            <a:avLst/>
+          </a:prstGeom>
+          <a:noFill/>
+        </p:spPr>
+        <p:txBody>
+          <a:bodyPr wrap="square" rtlCol="0">
+            <a:spAutoFit/>
+          </a:bodyPr>
+          <a:lstStyle/>
+          <a:p>
+            <a:pPr marL="285750" indent="-285750">
+              <a:buFont typeface="Arial" panose="020B0604020202020204" pitchFamily="34" charset="0"/>
+              <a:buChar char="•"/>
+            </a:pPr>
+            <a:r>
+              <a:rPr lang="en-US" dirty="0"/>
+              <a:t>Keys affect all tokens, Values affect respective tokens</a:t>
+            </a:r>
+          </a:p>
+          <a:p>
+            <a:pPr marL="285750" indent="-285750">
+              <a:buFont typeface="Arial" panose="020B0604020202020204" pitchFamily="34" charset="0"/>
+              <a:buChar char="•"/>
+            </a:pPr>
+            <a:r>
+              <a:rPr lang="en-US" dirty="0"/>
+              <a:t>So, keys have higher significance than values</a:t>
+            </a:r>
+          </a:p>
+        </p:txBody>
+      </p:sp>
+    </p:spTree>
+    <p:extLst>
+      <p:ext uri="{BB962C8B-B14F-4D97-AF65-F5344CB8AC3E}">
+        <p14:creationId xmlns:p14="http://schemas.microsoft.com/office/powerpoint/2010/main" val="806991090"/>
+      </p:ext>
+    </p:extLst>
+  </p:cSld>
+  <p:clrMapOvr>
+    <a:masterClrMapping/>
+  </p:clrMapOvr>
+</p:sld>
+</file>
+
+<file path=ppt/slides/slide13.xml><?xml version="1.0" encoding="utf-8"?>
+<p:sld xmlns:a="http://schemas.openxmlformats.org/drawingml/2006/main" xmlns:r="http://schemas.openxmlformats.org/officeDocument/2006/relationships" xmlns:p="http://schemas.openxmlformats.org/presentationml/2006/main">
+  <p:cSld>
+    <p:spTree>
+      <p:nvGrpSpPr>
+        <p:cNvPr id="1" name="">
+          <a:extLst>
+            <a:ext uri="{FF2B5EF4-FFF2-40B4-BE49-F238E27FC236}">
+              <a16:creationId xmlns:a16="http://schemas.microsoft.com/office/drawing/2014/main" id="{B1797F36-D5F7-9D26-020C-C9C1EC6B38B4}"/>
+            </a:ext>
+          </a:extLst>
+        </p:cNvPr>
+        <p:cNvGrpSpPr/>
+        <p:nvPr/>
+      </p:nvGrpSpPr>
+      <p:grpSpPr>
+        <a:xfrm>
+          <a:off x="0" y="0"/>
+          <a:ext cx="0" cy="0"/>
+          <a:chOff x="0" y="0"/>
+          <a:chExt cx="0" cy="0"/>
+        </a:xfrm>
+      </p:grpSpPr>
+      <p:sp>
+        <p:nvSpPr>
+          <p:cNvPr id="2" name="Title 1">
+            <a:extLst>
+              <a:ext uri="{FF2B5EF4-FFF2-40B4-BE49-F238E27FC236}">
+                <a16:creationId xmlns:a16="http://schemas.microsoft.com/office/drawing/2014/main" id="{247EDA19-95F7-4F36-534D-84190E95948B}"/>
+              </a:ext>
+            </a:extLst>
+          </p:cNvPr>
+          <p:cNvSpPr>
+            <a:spLocks noGrp="1"/>
+          </p:cNvSpPr>
+          <p:nvPr>
+            <p:ph type="title"/>
+          </p:nvPr>
+        </p:nvSpPr>
+        <p:spPr/>
+        <p:txBody>
+          <a:bodyPr/>
+          <a:lstStyle/>
+          <a:p>
+            <a:r>
+              <a:rPr lang="en-US" dirty="0"/>
+              <a:t>Case for Differentiation – Keys and Values</a:t>
+            </a:r>
+          </a:p>
+        </p:txBody>
+      </p:sp>
+      <p:sp>
+        <p:nvSpPr>
+          <p:cNvPr id="7" name="TextBox 6">
+            <a:extLst>
+              <a:ext uri="{FF2B5EF4-FFF2-40B4-BE49-F238E27FC236}">
+                <a16:creationId xmlns:a16="http://schemas.microsoft.com/office/drawing/2014/main" id="{7C4AFC87-C03F-CA25-A87A-7C4F5ECE977F}"/>
+              </a:ext>
+            </a:extLst>
+          </p:cNvPr>
+          <p:cNvSpPr txBox="1"/>
+          <p:nvPr/>
+        </p:nvSpPr>
+        <p:spPr>
+          <a:xfrm>
+            <a:off x="1208809" y="5003297"/>
+            <a:ext cx="9774382" cy="1200329"/>
+          </a:xfrm>
+          <a:prstGeom prst="rect">
+            <a:avLst/>
+          </a:prstGeom>
+          <a:noFill/>
+        </p:spPr>
+        <p:txBody>
+          <a:bodyPr wrap="square" rtlCol="0">
+            <a:spAutoFit/>
+          </a:bodyPr>
+          <a:lstStyle/>
+          <a:p>
+            <a:pPr marL="285750" indent="-285750">
+              <a:buFont typeface="Arial" panose="020B0604020202020204" pitchFamily="34" charset="0"/>
+              <a:buChar char="•"/>
+            </a:pPr>
+            <a:r>
+              <a:rPr lang="en-US" dirty="0"/>
+              <a:t>Value vectors’ magnitudes span a shorter range of values than the overall attention scores’ values</a:t>
+            </a:r>
+          </a:p>
+          <a:p>
+            <a:pPr marL="285750" indent="-285750">
+              <a:buFont typeface="Arial" panose="020B0604020202020204" pitchFamily="34" charset="0"/>
+              <a:buChar char="•"/>
+            </a:pPr>
+            <a:r>
+              <a:rPr lang="en-US" dirty="0"/>
+              <a:t>So value vectors don’t need a huge range – can be quantized aggressively</a:t>
+            </a:r>
+          </a:p>
+          <a:p>
+            <a:pPr marL="285750" indent="-285750">
+              <a:buFont typeface="Arial" panose="020B0604020202020204" pitchFamily="34" charset="0"/>
+              <a:buChar char="•"/>
+            </a:pPr>
+            <a:r>
+              <a:rPr lang="en-US" dirty="0"/>
+              <a:t>Empirically, K8V4 (K4V2) outperform K4V8(K2V4)</a:t>
+            </a:r>
+          </a:p>
+        </p:txBody>
+      </p:sp>
+      <p:pic>
+        <p:nvPicPr>
+          <p:cNvPr id="8" name="Content Placeholder 7" descr="A graph with different colored lines&#10;&#10;AI-generated content may be incorrect.">
+            <a:extLst>
+              <a:ext uri="{FF2B5EF4-FFF2-40B4-BE49-F238E27FC236}">
+                <a16:creationId xmlns:a16="http://schemas.microsoft.com/office/drawing/2014/main" id="{207E7758-372A-2CBD-296B-3DE2B6DFE355}"/>
+              </a:ext>
+            </a:extLst>
+          </p:cNvPr>
+          <p:cNvPicPr>
+            <a:picLocks noGrp="1" noChangeAspect="1"/>
+          </p:cNvPicPr>
+          <p:nvPr>
+            <p:ph idx="1"/>
+          </p:nvPr>
+        </p:nvPicPr>
+        <p:blipFill>
+          <a:blip r:embed="rId2"/>
+          <a:stretch>
+            <a:fillRect/>
+          </a:stretch>
+        </p:blipFill>
+        <p:spPr>
+          <a:xfrm>
+            <a:off x="2382981" y="1254538"/>
+            <a:ext cx="6120091" cy="3589608"/>
+          </a:xfrm>
+        </p:spPr>
+      </p:pic>
+    </p:spTree>
+    <p:extLst>
+      <p:ext uri="{BB962C8B-B14F-4D97-AF65-F5344CB8AC3E}">
+        <p14:creationId xmlns:p14="http://schemas.microsoft.com/office/powerpoint/2010/main" val="4036599440"/>
+      </p:ext>
+    </p:extLst>
+  </p:cSld>
+  <p:clrMapOvr>
+    <a:masterClrMapping/>
+  </p:clrMapOvr>
+</p:sld>
+</file>
+
+<file path=ppt/slides/slide14.xml><?xml version="1.0" encoding="utf-8"?>
+<p:sld xmlns:a="http://schemas.openxmlformats.org/drawingml/2006/main" xmlns:r="http://schemas.openxmlformats.org/officeDocument/2006/relationships" xmlns:p="http://schemas.openxmlformats.org/presentationml/2006/main">
+  <p:cSld>
+    <p:spTree>
+      <p:nvGrpSpPr>
+        <p:cNvPr id="1" name="">
+          <a:extLst>
+            <a:ext uri="{FF2B5EF4-FFF2-40B4-BE49-F238E27FC236}">
+              <a16:creationId xmlns:a16="http://schemas.microsoft.com/office/drawing/2014/main" id="{AFE671C7-5C53-E760-2F91-04B8D6EB1233}"/>
+            </a:ext>
+          </a:extLst>
+        </p:cNvPr>
+        <p:cNvGrpSpPr/>
+        <p:nvPr/>
+      </p:nvGrpSpPr>
+      <p:grpSpPr>
+        <a:xfrm>
+          <a:off x="0" y="0"/>
+          <a:ext cx="0" cy="0"/>
+          <a:chOff x="0" y="0"/>
+          <a:chExt cx="0" cy="0"/>
+        </a:xfrm>
+      </p:grpSpPr>
+      <p:sp>
+        <p:nvSpPr>
+          <p:cNvPr id="2" name="Title 1">
+            <a:extLst>
+              <a:ext uri="{FF2B5EF4-FFF2-40B4-BE49-F238E27FC236}">
+                <a16:creationId xmlns:a16="http://schemas.microsoft.com/office/drawing/2014/main" id="{81BAA4E9-1D43-E44D-1A42-2E04B9278D09}"/>
+              </a:ext>
+            </a:extLst>
+          </p:cNvPr>
+          <p:cNvSpPr>
+            <a:spLocks noGrp="1"/>
+          </p:cNvSpPr>
+          <p:nvPr>
+            <p:ph type="title"/>
+          </p:nvPr>
+        </p:nvSpPr>
+        <p:spPr/>
+        <p:txBody>
+          <a:bodyPr/>
+          <a:lstStyle/>
+          <a:p>
+            <a:r>
+              <a:rPr lang="en-US" dirty="0"/>
+              <a:t>Case for Differentiation – Tokens</a:t>
+            </a:r>
+          </a:p>
+        </p:txBody>
+      </p:sp>
+      <p:sp>
+        <p:nvSpPr>
+          <p:cNvPr id="4" name="Content Placeholder 3">
+            <a:extLst>
+              <a:ext uri="{FF2B5EF4-FFF2-40B4-BE49-F238E27FC236}">
+                <a16:creationId xmlns:a16="http://schemas.microsoft.com/office/drawing/2014/main" id="{F2C5236F-DB3C-96F6-E213-B69BD503FAE6}"/>
+              </a:ext>
+            </a:extLst>
+          </p:cNvPr>
+          <p:cNvSpPr>
+            <a:spLocks noGrp="1"/>
+          </p:cNvSpPr>
+          <p:nvPr>
+            <p:ph idx="1"/>
+          </p:nvPr>
+        </p:nvSpPr>
+        <p:spPr>
+          <a:xfrm>
+            <a:off x="838200" y="1825626"/>
+            <a:ext cx="10515600" cy="1093066"/>
+          </a:xfrm>
+        </p:spPr>
+        <p:txBody>
+          <a:bodyPr/>
+          <a:lstStyle/>
+          <a:p>
+            <a:r>
+              <a:rPr lang="en-US" dirty="0"/>
+              <a:t>Some tokens contribute more to the output than other tokens</a:t>
+            </a:r>
+          </a:p>
+          <a:p>
+            <a:pPr lvl="1"/>
+            <a:r>
+              <a:rPr lang="en-US" dirty="0"/>
+              <a:t>Relative to the attention scores of tokens</a:t>
+            </a:r>
+          </a:p>
+          <a:p>
+            <a:endParaRPr lang="en-US" dirty="0"/>
+          </a:p>
+        </p:txBody>
+      </p:sp>
+      <p:pic>
+        <p:nvPicPr>
+          <p:cNvPr id="6" name="Picture 5">
+            <a:extLst>
+              <a:ext uri="{FF2B5EF4-FFF2-40B4-BE49-F238E27FC236}">
+                <a16:creationId xmlns:a16="http://schemas.microsoft.com/office/drawing/2014/main" id="{985A9B0D-B392-8289-0C2F-37448C6C8BA8}"/>
+              </a:ext>
+            </a:extLst>
+          </p:cNvPr>
+          <p:cNvPicPr>
+            <a:picLocks noChangeAspect="1"/>
+          </p:cNvPicPr>
+          <p:nvPr/>
+        </p:nvPicPr>
+        <p:blipFill>
+          <a:blip r:embed="rId3"/>
+          <a:stretch>
+            <a:fillRect/>
+          </a:stretch>
+        </p:blipFill>
+        <p:spPr>
+          <a:xfrm>
+            <a:off x="1302327" y="2746632"/>
+            <a:ext cx="8811491" cy="3746243"/>
           </a:xfrm>
           <a:prstGeom prst="rect">
             <a:avLst/>
@@ -3515,7 +5065,145 @@
     </p:spTree>
     <p:extLst>
       <p:ext uri="{BB962C8B-B14F-4D97-AF65-F5344CB8AC3E}">
-        <p14:creationId xmlns:p14="http://schemas.microsoft.com/office/powerpoint/2010/main" val="1974257371"/>
+        <p14:creationId xmlns:p14="http://schemas.microsoft.com/office/powerpoint/2010/main" val="455445508"/>
+      </p:ext>
+    </p:extLst>
+  </p:cSld>
+  <p:clrMapOvr>
+    <a:masterClrMapping/>
+  </p:clrMapOvr>
+</p:sld>
+</file>
+
+<file path=ppt/slides/slide15.xml><?xml version="1.0" encoding="utf-8"?>
+<p:sld xmlns:a="http://schemas.openxmlformats.org/drawingml/2006/main" xmlns:r="http://schemas.openxmlformats.org/officeDocument/2006/relationships" xmlns:p="http://schemas.openxmlformats.org/presentationml/2006/main">
+  <p:cSld>
+    <p:spTree>
+      <p:nvGrpSpPr>
+        <p:cNvPr id="1" name="">
+          <a:extLst>
+            <a:ext uri="{FF2B5EF4-FFF2-40B4-BE49-F238E27FC236}">
+              <a16:creationId xmlns:a16="http://schemas.microsoft.com/office/drawing/2014/main" id="{C1C7D207-4A9C-BC0B-5459-22322965A02E}"/>
+            </a:ext>
+          </a:extLst>
+        </p:cNvPr>
+        <p:cNvGrpSpPr/>
+        <p:nvPr/>
+      </p:nvGrpSpPr>
+      <p:grpSpPr>
+        <a:xfrm>
+          <a:off x="0" y="0"/>
+          <a:ext cx="0" cy="0"/>
+          <a:chOff x="0" y="0"/>
+          <a:chExt cx="0" cy="0"/>
+        </a:xfrm>
+      </p:grpSpPr>
+      <p:sp>
+        <p:nvSpPr>
+          <p:cNvPr id="2" name="Title 1">
+            <a:extLst>
+              <a:ext uri="{FF2B5EF4-FFF2-40B4-BE49-F238E27FC236}">
+                <a16:creationId xmlns:a16="http://schemas.microsoft.com/office/drawing/2014/main" id="{C1DAC893-AC99-444F-D09A-B5D0C73FEE1A}"/>
+              </a:ext>
+            </a:extLst>
+          </p:cNvPr>
+          <p:cNvSpPr>
+            <a:spLocks noGrp="1"/>
+          </p:cNvSpPr>
+          <p:nvPr>
+            <p:ph type="title"/>
+          </p:nvPr>
+        </p:nvSpPr>
+        <p:spPr/>
+        <p:txBody>
+          <a:bodyPr/>
+          <a:lstStyle/>
+          <a:p>
+            <a:r>
+              <a:rPr lang="en-US" dirty="0"/>
+              <a:t>Case for Differentiation – Heads</a:t>
+            </a:r>
+          </a:p>
+        </p:txBody>
+      </p:sp>
+      <p:sp>
+        <p:nvSpPr>
+          <p:cNvPr id="4" name="Content Placeholder 3">
+            <a:extLst>
+              <a:ext uri="{FF2B5EF4-FFF2-40B4-BE49-F238E27FC236}">
+                <a16:creationId xmlns:a16="http://schemas.microsoft.com/office/drawing/2014/main" id="{1A4596A2-208B-1803-0B66-831CBE0A7283}"/>
+              </a:ext>
+            </a:extLst>
+          </p:cNvPr>
+          <p:cNvSpPr>
+            <a:spLocks noGrp="1"/>
+          </p:cNvSpPr>
+          <p:nvPr>
+            <p:ph idx="1"/>
+          </p:nvPr>
+        </p:nvSpPr>
+        <p:spPr>
+          <a:xfrm>
+            <a:off x="838200" y="1825626"/>
+            <a:ext cx="10807460" cy="1603374"/>
+          </a:xfrm>
+        </p:spPr>
+        <p:txBody>
+          <a:bodyPr>
+            <a:normAutofit lnSpcReduction="10000"/>
+          </a:bodyPr>
+          <a:lstStyle/>
+          <a:p>
+            <a:r>
+              <a:rPr lang="en-US" dirty="0"/>
+              <a:t>LLMs exhibit dynamic sparsity patterns that vary across both attention heads and requests</a:t>
+            </a:r>
+          </a:p>
+          <a:p>
+            <a:r>
+              <a:rPr lang="en-US" dirty="0"/>
+              <a:t>Number of critical tokens vary across heads as well across requests for the same head</a:t>
+            </a:r>
+          </a:p>
+          <a:p>
+            <a:endParaRPr lang="en-US" dirty="0"/>
+          </a:p>
+        </p:txBody>
+      </p:sp>
+      <p:pic>
+        <p:nvPicPr>
+          <p:cNvPr id="5" name="Picture 4" descr="A graph of a number of critical tokens&#10;&#10;AI-generated content may be incorrect.">
+            <a:extLst>
+              <a:ext uri="{FF2B5EF4-FFF2-40B4-BE49-F238E27FC236}">
+                <a16:creationId xmlns:a16="http://schemas.microsoft.com/office/drawing/2014/main" id="{348767D5-8C68-8483-3681-8588AF49AD4F}"/>
+              </a:ext>
+            </a:extLst>
+          </p:cNvPr>
+          <p:cNvPicPr>
+            <a:picLocks noChangeAspect="1"/>
+          </p:cNvPicPr>
+          <p:nvPr/>
+        </p:nvPicPr>
+        <p:blipFill>
+          <a:blip r:embed="rId3"/>
+          <a:stretch>
+            <a:fillRect/>
+          </a:stretch>
+        </p:blipFill>
+        <p:spPr>
+          <a:xfrm>
+            <a:off x="2497382" y="2627313"/>
+            <a:ext cx="6592455" cy="3645474"/>
+          </a:xfrm>
+          <a:prstGeom prst="rect">
+            <a:avLst/>
+          </a:prstGeom>
+        </p:spPr>
+      </p:pic>
+    </p:spTree>
+    <p:extLst>
+      <p:ext uri="{BB962C8B-B14F-4D97-AF65-F5344CB8AC3E}">
+        <p14:creationId xmlns:p14="http://schemas.microsoft.com/office/powerpoint/2010/main" val="2110503830"/>
       </p:ext>
     </p:extLst>
   </p:cSld>
@@ -3600,7 +5288,495 @@
 </p:sld>
 </file>
 
+<file path=ppt/slides/slide2.xml><?xml version="1.0" encoding="utf-8"?>
+<p:sld xmlns:a="http://schemas.openxmlformats.org/drawingml/2006/main" xmlns:r="http://schemas.openxmlformats.org/officeDocument/2006/relationships" xmlns:p="http://schemas.openxmlformats.org/presentationml/2006/main">
+  <p:cSld>
+    <p:spTree>
+      <p:nvGrpSpPr>
+        <p:cNvPr id="1" name=""/>
+        <p:cNvGrpSpPr/>
+        <p:nvPr/>
+      </p:nvGrpSpPr>
+      <p:grpSpPr>
+        <a:xfrm>
+          <a:off x="0" y="0"/>
+          <a:ext cx="0" cy="0"/>
+          <a:chOff x="0" y="0"/>
+          <a:chExt cx="0" cy="0"/>
+        </a:xfrm>
+      </p:grpSpPr>
+      <p:sp>
+        <p:nvSpPr>
+          <p:cNvPr id="2" name="Title 1">
+            <a:extLst>
+              <a:ext uri="{FF2B5EF4-FFF2-40B4-BE49-F238E27FC236}">
+                <a16:creationId xmlns:a16="http://schemas.microsoft.com/office/drawing/2014/main" id="{FF3928B3-63B5-DC6F-3377-8F14F672C8BF}"/>
+              </a:ext>
+            </a:extLst>
+          </p:cNvPr>
+          <p:cNvSpPr>
+            <a:spLocks noGrp="1"/>
+          </p:cNvSpPr>
+          <p:nvPr>
+            <p:ph type="title"/>
+          </p:nvPr>
+        </p:nvSpPr>
+        <p:spPr/>
+        <p:txBody>
+          <a:bodyPr/>
+          <a:lstStyle/>
+          <a:p>
+            <a:r>
+              <a:rPr lang="en-US" dirty="0"/>
+              <a:t>KV Cache Compression</a:t>
+            </a:r>
+          </a:p>
+        </p:txBody>
+      </p:sp>
+      <p:sp>
+        <p:nvSpPr>
+          <p:cNvPr id="3" name="Content Placeholder 2">
+            <a:extLst>
+              <a:ext uri="{FF2B5EF4-FFF2-40B4-BE49-F238E27FC236}">
+                <a16:creationId xmlns:a16="http://schemas.microsoft.com/office/drawing/2014/main" id="{4D1BD3F7-38CA-5BA3-5924-810010366E20}"/>
+              </a:ext>
+            </a:extLst>
+          </p:cNvPr>
+          <p:cNvSpPr>
+            <a:spLocks noGrp="1"/>
+          </p:cNvSpPr>
+          <p:nvPr>
+            <p:ph idx="1"/>
+          </p:nvPr>
+        </p:nvSpPr>
+        <p:spPr/>
+        <p:txBody>
+          <a:bodyPr/>
+          <a:lstStyle/>
+          <a:p>
+            <a:r>
+              <a:rPr lang="en-US" dirty="0"/>
+              <a:t>Fine grained</a:t>
+            </a:r>
+          </a:p>
+          <a:p>
+            <a:r>
+              <a:rPr lang="en-US" dirty="0"/>
+              <a:t>On-GPU memory management for low overhead</a:t>
+            </a:r>
+          </a:p>
+        </p:txBody>
+      </p:sp>
+      <p:pic>
+        <p:nvPicPr>
+          <p:cNvPr id="5" name="Picture 4" descr="A diagram of a number&#10;&#10;AI-generated content may be incorrect.">
+            <a:extLst>
+              <a:ext uri="{FF2B5EF4-FFF2-40B4-BE49-F238E27FC236}">
+                <a16:creationId xmlns:a16="http://schemas.microsoft.com/office/drawing/2014/main" id="{A533A69A-4CE1-83F4-5650-46F106641D98}"/>
+              </a:ext>
+            </a:extLst>
+          </p:cNvPr>
+          <p:cNvPicPr>
+            <a:picLocks noChangeAspect="1"/>
+          </p:cNvPicPr>
+          <p:nvPr/>
+        </p:nvPicPr>
+        <p:blipFill>
+          <a:blip r:embed="rId2"/>
+          <a:stretch>
+            <a:fillRect/>
+          </a:stretch>
+        </p:blipFill>
+        <p:spPr>
+          <a:xfrm>
+            <a:off x="748146" y="1395979"/>
+            <a:ext cx="8238836" cy="5210629"/>
+          </a:xfrm>
+          <a:prstGeom prst="rect">
+            <a:avLst/>
+          </a:prstGeom>
+        </p:spPr>
+      </p:pic>
+      <p:sp>
+        <p:nvSpPr>
+          <p:cNvPr id="6" name="TextBox 5">
+            <a:extLst>
+              <a:ext uri="{FF2B5EF4-FFF2-40B4-BE49-F238E27FC236}">
+                <a16:creationId xmlns:a16="http://schemas.microsoft.com/office/drawing/2014/main" id="{2A8DF4E1-7270-E5A5-3EEF-58B9D60BD407}"/>
+              </a:ext>
+            </a:extLst>
+          </p:cNvPr>
+          <p:cNvSpPr txBox="1"/>
+          <p:nvPr/>
+        </p:nvSpPr>
+        <p:spPr>
+          <a:xfrm>
+            <a:off x="8915400" y="520516"/>
+            <a:ext cx="2438400" cy="1815882"/>
+          </a:xfrm>
+          <a:prstGeom prst="rect">
+            <a:avLst/>
+          </a:prstGeom>
+          <a:noFill/>
+        </p:spPr>
+        <p:txBody>
+          <a:bodyPr wrap="square" rtlCol="0">
+            <a:spAutoFit/>
+          </a:bodyPr>
+          <a:lstStyle/>
+          <a:p>
+            <a:pPr marL="342900" indent="-342900">
+              <a:buFont typeface="+mj-lt"/>
+              <a:buAutoNum type="arabicPeriod"/>
+            </a:pPr>
+            <a:r>
+              <a:rPr lang="en-US" sz="2800" dirty="0"/>
+              <a:t>Keys and Values</a:t>
+            </a:r>
+          </a:p>
+          <a:p>
+            <a:pPr marL="342900" indent="-342900">
+              <a:buFont typeface="+mj-lt"/>
+              <a:buAutoNum type="arabicPeriod"/>
+            </a:pPr>
+            <a:r>
+              <a:rPr lang="en-US" sz="2800" dirty="0"/>
+              <a:t>Tokens</a:t>
+            </a:r>
+          </a:p>
+          <a:p>
+            <a:pPr marL="342900" indent="-342900">
+              <a:buFont typeface="+mj-lt"/>
+              <a:buAutoNum type="arabicPeriod"/>
+            </a:pPr>
+            <a:r>
+              <a:rPr lang="en-US" sz="2800" dirty="0"/>
+              <a:t>Per-head</a:t>
+            </a:r>
+          </a:p>
+        </p:txBody>
+      </p:sp>
+    </p:spTree>
+    <p:extLst>
+      <p:ext uri="{BB962C8B-B14F-4D97-AF65-F5344CB8AC3E}">
+        <p14:creationId xmlns:p14="http://schemas.microsoft.com/office/powerpoint/2010/main" val="1974257371"/>
+      </p:ext>
+    </p:extLst>
+  </p:cSld>
+  <p:clrMapOvr>
+    <a:masterClrMapping/>
+  </p:clrMapOvr>
+  <p:timing>
+    <p:tnLst>
+      <p:par>
+        <p:cTn id="1" dur="indefinite" restart="never" nodeType="tmRoot">
+          <p:childTnLst>
+            <p:seq concurrent="1" nextAc="seek">
+              <p:cTn id="2" dur="indefinite" nodeType="mainSeq">
+                <p:childTnLst>
+                  <p:par>
+                    <p:cTn id="3" fill="hold">
+                      <p:stCondLst>
+                        <p:cond delay="indefinite"/>
+                      </p:stCondLst>
+                      <p:childTnLst>
+                        <p:par>
+                          <p:cTn id="4" fill="hold">
+                            <p:stCondLst>
+                              <p:cond delay="0"/>
+                            </p:stCondLst>
+                            <p:childTnLst>
+                              <p:par>
+                                <p:cTn id="5" presetID="1" presetClass="entr" presetSubtype="0" fill="hold" nodeType="clickEffect">
+                                  <p:stCondLst>
+                                    <p:cond delay="0"/>
+                                  </p:stCondLst>
+                                  <p:childTnLst>
+                                    <p:set>
+                                      <p:cBhvr>
+                                        <p:cTn id="6" dur="1" fill="hold">
+                                          <p:stCondLst>
+                                            <p:cond delay="0"/>
+                                          </p:stCondLst>
+                                        </p:cTn>
+                                        <p:tgtEl>
+                                          <p:spTgt spid="5"/>
+                                        </p:tgtEl>
+                                        <p:attrNameLst>
+                                          <p:attrName>style.visibility</p:attrName>
+                                        </p:attrNameLst>
+                                      </p:cBhvr>
+                                      <p:to>
+                                        <p:strVal val="visible"/>
+                                      </p:to>
+                                    </p:set>
+                                  </p:childTnLst>
+                                </p:cTn>
+                              </p:par>
+                            </p:childTnLst>
+                          </p:cTn>
+                        </p:par>
+                      </p:childTnLst>
+                    </p:cTn>
+                  </p:par>
+                  <p:par>
+                    <p:cTn id="7" fill="hold">
+                      <p:stCondLst>
+                        <p:cond delay="indefinite"/>
+                      </p:stCondLst>
+                      <p:childTnLst>
+                        <p:par>
+                          <p:cTn id="8" fill="hold">
+                            <p:stCondLst>
+                              <p:cond delay="0"/>
+                            </p:stCondLst>
+                            <p:childTnLst>
+                              <p:par>
+                                <p:cTn id="9" presetID="1" presetClass="entr" presetSubtype="0" fill="hold" grpId="0" nodeType="clickEffect">
+                                  <p:stCondLst>
+                                    <p:cond delay="0"/>
+                                  </p:stCondLst>
+                                  <p:childTnLst>
+                                    <p:set>
+                                      <p:cBhvr>
+                                        <p:cTn id="10" dur="1" fill="hold">
+                                          <p:stCondLst>
+                                            <p:cond delay="0"/>
+                                          </p:stCondLst>
+                                        </p:cTn>
+                                        <p:tgtEl>
+                                          <p:spTgt spid="6"/>
+                                        </p:tgtEl>
+                                        <p:attrNameLst>
+                                          <p:attrName>style.visibility</p:attrName>
+                                        </p:attrNameLst>
+                                      </p:cBhvr>
+                                      <p:to>
+                                        <p:strVal val="visible"/>
+                                      </p:to>
+                                    </p:set>
+                                  </p:childTnLst>
+                                </p:cTn>
+                              </p:par>
+                            </p:childTnLst>
+                          </p:cTn>
+                        </p:par>
+                      </p:childTnLst>
+                    </p:cTn>
+                  </p:par>
+                </p:childTnLst>
+              </p:cTn>
+              <p:prevCondLst>
+                <p:cond evt="onPrev" delay="0">
+                  <p:tgtEl>
+                    <p:sldTgt/>
+                  </p:tgtEl>
+                </p:cond>
+              </p:prevCondLst>
+              <p:nextCondLst>
+                <p:cond evt="onNext" delay="0">
+                  <p:tgtEl>
+                    <p:sldTgt/>
+                  </p:tgtEl>
+                </p:cond>
+              </p:nextCondLst>
+            </p:seq>
+          </p:childTnLst>
+        </p:cTn>
+      </p:par>
+    </p:tnLst>
+    <p:bldLst>
+      <p:bldP spid="6" grpId="0"/>
+    </p:bldLst>
+  </p:timing>
+</p:sld>
+</file>
+
 <file path=ppt/slides/slide3.xml><?xml version="1.0" encoding="utf-8"?>
+<p:sld xmlns:a="http://schemas.openxmlformats.org/drawingml/2006/main" xmlns:r="http://schemas.openxmlformats.org/officeDocument/2006/relationships" xmlns:p="http://schemas.openxmlformats.org/presentationml/2006/main">
+  <p:cSld>
+    <p:spTree>
+      <p:nvGrpSpPr>
+        <p:cNvPr id="1" name="">
+          <a:extLst>
+            <a:ext uri="{FF2B5EF4-FFF2-40B4-BE49-F238E27FC236}">
+              <a16:creationId xmlns:a16="http://schemas.microsoft.com/office/drawing/2014/main" id="{D04F4F1D-12E9-C7F1-002E-193D7F9A01BF}"/>
+            </a:ext>
+          </a:extLst>
+        </p:cNvPr>
+        <p:cNvGrpSpPr/>
+        <p:nvPr/>
+      </p:nvGrpSpPr>
+      <p:grpSpPr>
+        <a:xfrm>
+          <a:off x="0" y="0"/>
+          <a:ext cx="0" cy="0"/>
+          <a:chOff x="0" y="0"/>
+          <a:chExt cx="0" cy="0"/>
+        </a:xfrm>
+      </p:grpSpPr>
+      <p:sp>
+        <p:nvSpPr>
+          <p:cNvPr id="2" name="Title 1">
+            <a:extLst>
+              <a:ext uri="{FF2B5EF4-FFF2-40B4-BE49-F238E27FC236}">
+                <a16:creationId xmlns:a16="http://schemas.microsoft.com/office/drawing/2014/main" id="{F6B6E6BF-1196-6DBD-9FCB-015DDCA68F06}"/>
+              </a:ext>
+            </a:extLst>
+          </p:cNvPr>
+          <p:cNvSpPr>
+            <a:spLocks noGrp="1"/>
+          </p:cNvSpPr>
+          <p:nvPr>
+            <p:ph type="title"/>
+          </p:nvPr>
+        </p:nvSpPr>
+        <p:spPr/>
+        <p:txBody>
+          <a:bodyPr/>
+          <a:lstStyle/>
+          <a:p>
+            <a:r>
+              <a:rPr lang="en-US" dirty="0"/>
+              <a:t>KV Cache Compression</a:t>
+            </a:r>
+          </a:p>
+        </p:txBody>
+      </p:sp>
+      <p:sp>
+        <p:nvSpPr>
+          <p:cNvPr id="3" name="Content Placeholder 2">
+            <a:extLst>
+              <a:ext uri="{FF2B5EF4-FFF2-40B4-BE49-F238E27FC236}">
+                <a16:creationId xmlns:a16="http://schemas.microsoft.com/office/drawing/2014/main" id="{F5A3E6C5-4FAE-9B29-927E-12A70D73047A}"/>
+              </a:ext>
+            </a:extLst>
+          </p:cNvPr>
+          <p:cNvSpPr>
+            <a:spLocks noGrp="1"/>
+          </p:cNvSpPr>
+          <p:nvPr>
+            <p:ph idx="1"/>
+          </p:nvPr>
+        </p:nvSpPr>
+        <p:spPr/>
+        <p:txBody>
+          <a:bodyPr/>
+          <a:lstStyle/>
+          <a:p>
+            <a:r>
+              <a:rPr lang="en-US" dirty="0"/>
+              <a:t>Fine grained</a:t>
+            </a:r>
+          </a:p>
+          <a:p>
+            <a:r>
+              <a:rPr lang="en-US" dirty="0"/>
+              <a:t>On-GPU memory management for low overhead</a:t>
+            </a:r>
+          </a:p>
+          <a:p>
+            <a:pPr lvl="1"/>
+            <a:r>
+              <a:rPr lang="en-US" dirty="0"/>
+              <a:t>New data-structures on GPU that allow parallel (across heads) KV compaction</a:t>
+            </a:r>
+          </a:p>
+        </p:txBody>
+      </p:sp>
+    </p:spTree>
+    <p:extLst>
+      <p:ext uri="{BB962C8B-B14F-4D97-AF65-F5344CB8AC3E}">
+        <p14:creationId xmlns:p14="http://schemas.microsoft.com/office/powerpoint/2010/main" val="3346214088"/>
+      </p:ext>
+    </p:extLst>
+  </p:cSld>
+  <p:clrMapOvr>
+    <a:masterClrMapping/>
+  </p:clrMapOvr>
+  <p:timing>
+    <p:tnLst>
+      <p:par>
+        <p:cTn id="1" dur="indefinite" restart="never" nodeType="tmRoot">
+          <p:childTnLst>
+            <p:seq concurrent="1" nextAc="seek">
+              <p:cTn id="2" dur="indefinite" nodeType="mainSeq">
+                <p:childTnLst>
+                  <p:par>
+                    <p:cTn id="3" fill="hold">
+                      <p:stCondLst>
+                        <p:cond delay="indefinite"/>
+                      </p:stCondLst>
+                      <p:childTnLst>
+                        <p:par>
+                          <p:cTn id="4" fill="hold">
+                            <p:stCondLst>
+                              <p:cond delay="0"/>
+                            </p:stCondLst>
+                            <p:childTnLst>
+                              <p:par>
+                                <p:cTn id="5" presetID="1" presetClass="entr" presetSubtype="0" fill="hold" nodeType="clickEffect">
+                                  <p:stCondLst>
+                                    <p:cond delay="0"/>
+                                  </p:stCondLst>
+                                  <p:childTnLst>
+                                    <p:set>
+                                      <p:cBhvr>
+                                        <p:cTn id="6" dur="1" fill="hold">
+                                          <p:stCondLst>
+                                            <p:cond delay="0"/>
+                                          </p:stCondLst>
+                                        </p:cTn>
+                                        <p:tgtEl>
+                                          <p:spTgt spid="3">
+                                            <p:txEl>
+                                              <p:pRg st="2" end="2"/>
+                                            </p:txEl>
+                                          </p:spTgt>
+                                        </p:tgtEl>
+                                        <p:attrNameLst>
+                                          <p:attrName>style.visibility</p:attrName>
+                                        </p:attrNameLst>
+                                      </p:cBhvr>
+                                      <p:to>
+                                        <p:strVal val="visible"/>
+                                      </p:to>
+                                    </p:set>
+                                  </p:childTnLst>
+                                </p:cTn>
+                              </p:par>
+                            </p:childTnLst>
+                          </p:cTn>
+                        </p:par>
+                      </p:childTnLst>
+                    </p:cTn>
+                  </p:par>
+                </p:childTnLst>
+              </p:cTn>
+              <p:prevCondLst>
+                <p:cond evt="onPrev" delay="0">
+                  <p:tgtEl>
+                    <p:sldTgt/>
+                  </p:tgtEl>
+                </p:cond>
+              </p:prevCondLst>
+              <p:nextCondLst>
+                <p:cond evt="onNext" delay="0">
+                  <p:tgtEl>
+                    <p:sldTgt/>
+                  </p:tgtEl>
+                </p:cond>
+              </p:nextCondLst>
+            </p:seq>
+          </p:childTnLst>
+        </p:cTn>
+      </p:par>
+    </p:tnLst>
+  </p:timing>
+</p:sld>
+</file>
+
+<file path=ppt/slides/slide4.xml><?xml version="1.0" encoding="utf-8"?>
 <p:sld xmlns:a="http://schemas.openxmlformats.org/drawingml/2006/main" xmlns:r="http://schemas.openxmlformats.org/officeDocument/2006/relationships" xmlns:p="http://schemas.openxmlformats.org/presentationml/2006/main">
   <p:cSld>
     <p:spTree>
@@ -3688,7 +5864,7 @@
 </p:sld>
 </file>
 
-<file path=ppt/slides/slide4.xml><?xml version="1.0" encoding="utf-8"?>
+<file path=ppt/slides/slide5.xml><?xml version="1.0" encoding="utf-8"?>
 <p:sld xmlns:a="http://schemas.openxmlformats.org/drawingml/2006/main" xmlns:r="http://schemas.openxmlformats.org/officeDocument/2006/relationships" xmlns:p="http://schemas.openxmlformats.org/presentationml/2006/main">
   <p:cSld>
     <p:spTree>
@@ -3782,7 +5958,7 @@
 </p:sld>
 </file>
 
-<file path=ppt/slides/slide5.xml><?xml version="1.0" encoding="utf-8"?>
+<file path=ppt/slides/slide6.xml><?xml version="1.0" encoding="utf-8"?>
 <p:sld xmlns:a="http://schemas.openxmlformats.org/drawingml/2006/main" xmlns:r="http://schemas.openxmlformats.org/officeDocument/2006/relationships" xmlns:p="http://schemas.openxmlformats.org/presentationml/2006/main">
   <p:cSld>
     <p:spTree>
@@ -3876,7 +6052,7 @@
 </p:sld>
 </file>
 
-<file path=ppt/slides/slide6.xml><?xml version="1.0" encoding="utf-8"?>
+<file path=ppt/slides/slide7.xml><?xml version="1.0" encoding="utf-8"?>
 <p:sld xmlns:a="http://schemas.openxmlformats.org/drawingml/2006/main" xmlns:r="http://schemas.openxmlformats.org/officeDocument/2006/relationships" xmlns:p="http://schemas.openxmlformats.org/presentationml/2006/main">
   <p:cSld>
     <p:spTree>
@@ -3957,6 +6133,36 @@
           </a:prstGeom>
         </p:spPr>
       </p:pic>
+      <p:pic>
+        <p:nvPicPr>
+          <p:cNvPr id="4" name="Picture 3">
+            <a:extLst>
+              <a:ext uri="{FF2B5EF4-FFF2-40B4-BE49-F238E27FC236}">
+                <a16:creationId xmlns:a16="http://schemas.microsoft.com/office/drawing/2014/main" id="{9AAC656B-4D6E-C91E-E5D3-D7AEE9F97692}"/>
+              </a:ext>
+            </a:extLst>
+          </p:cNvPr>
+          <p:cNvPicPr>
+            <a:picLocks noChangeAspect="1"/>
+          </p:cNvPicPr>
+          <p:nvPr/>
+        </p:nvPicPr>
+        <p:blipFill>
+          <a:blip r:embed="rId3"/>
+          <a:stretch>
+            <a:fillRect/>
+          </a:stretch>
+        </p:blipFill>
+        <p:spPr>
+          <a:xfrm>
+            <a:off x="738365" y="1969654"/>
+            <a:ext cx="7486509" cy="3814554"/>
+          </a:xfrm>
+          <a:prstGeom prst="rect">
+            <a:avLst/>
+          </a:prstGeom>
+        </p:spPr>
+      </p:pic>
     </p:spTree>
     <p:extLst>
       <p:ext uri="{BB962C8B-B14F-4D97-AF65-F5344CB8AC3E}">
@@ -3967,10 +6173,85 @@
   <p:clrMapOvr>
     <a:masterClrMapping/>
   </p:clrMapOvr>
+  <p:timing>
+    <p:tnLst>
+      <p:par>
+        <p:cTn id="1" dur="indefinite" restart="never" nodeType="tmRoot">
+          <p:childTnLst>
+            <p:seq concurrent="1" nextAc="seek">
+              <p:cTn id="2" dur="indefinite" nodeType="mainSeq">
+                <p:childTnLst>
+                  <p:par>
+                    <p:cTn id="3" fill="hold">
+                      <p:stCondLst>
+                        <p:cond delay="indefinite"/>
+                      </p:stCondLst>
+                      <p:childTnLst>
+                        <p:par>
+                          <p:cTn id="4" fill="hold">
+                            <p:stCondLst>
+                              <p:cond delay="0"/>
+                            </p:stCondLst>
+                            <p:childTnLst>
+                              <p:par>
+                                <p:cTn id="5" presetID="1" presetClass="entr" presetSubtype="0" fill="hold" nodeType="clickEffect">
+                                  <p:stCondLst>
+                                    <p:cond delay="0"/>
+                                  </p:stCondLst>
+                                  <p:childTnLst>
+                                    <p:set>
+                                      <p:cBhvr>
+                                        <p:cTn id="6" dur="1" fill="hold">
+                                          <p:stCondLst>
+                                            <p:cond delay="0"/>
+                                          </p:stCondLst>
+                                        </p:cTn>
+                                        <p:tgtEl>
+                                          <p:spTgt spid="4"/>
+                                        </p:tgtEl>
+                                        <p:attrNameLst>
+                                          <p:attrName>style.visibility</p:attrName>
+                                        </p:attrNameLst>
+                                      </p:cBhvr>
+                                      <p:to>
+                                        <p:strVal val="visible"/>
+                                      </p:to>
+                                    </p:set>
+                                  </p:childTnLst>
+                                </p:cTn>
+                              </p:par>
+                            </p:childTnLst>
+                          </p:cTn>
+                        </p:par>
+                      </p:childTnLst>
+                    </p:cTn>
+                  </p:par>
+                </p:childTnLst>
+              </p:cTn>
+              <p:prevCondLst>
+                <p:cond evt="onPrev" delay="0">
+                  <p:tgtEl>
+                    <p:sldTgt/>
+                  </p:tgtEl>
+                </p:cond>
+              </p:prevCondLst>
+              <p:nextCondLst>
+                <p:cond evt="onNext" delay="0">
+                  <p:tgtEl>
+                    <p:sldTgt/>
+                  </p:tgtEl>
+                </p:cond>
+              </p:nextCondLst>
+            </p:seq>
+          </p:childTnLst>
+        </p:cTn>
+      </p:par>
+    </p:tnLst>
+  </p:timing>
 </p:sld>
 </file>
 
-<file path=ppt/slides/slide7.xml><?xml version="1.0" encoding="utf-8"?>
+<file path=ppt/slides/slide8.xml><?xml version="1.0" encoding="utf-8"?>
 <p:sld xmlns:a="http://schemas.openxmlformats.org/drawingml/2006/main" xmlns:r="http://schemas.openxmlformats.org/officeDocument/2006/relationships" xmlns:p="http://schemas.openxmlformats.org/presentationml/2006/main">
   <p:cSld>
     <p:spTree>
@@ -4055,15 +6336,7 @@
             </a:pPr>
             <a:r>
               <a:rPr lang="en-US" sz="2400" dirty="0"/>
-              <a:t>In Llama3-70B, every token takes </a:t>
-            </a:r>
-            <a:r>
-              <a:rPr lang="en-US" sz="2400" dirty="0" err="1"/>
-              <a:t>upto</a:t>
-            </a:r>
-            <a:r>
-              <a:rPr lang="en-US" sz="2400" dirty="0"/>
-              <a:t> ~2.5MB in the KV cache</a:t>
+              <a:t>In Llama3-70B, every token takes up to ~2.5MB in the KV cache</a:t>
             </a:r>
           </a:p>
           <a:p>
@@ -4100,10 +6373,266 @@
           </a:p>
         </p:txBody>
       </p:sp>
+      <p:pic>
+        <p:nvPicPr>
+          <p:cNvPr id="6" name="Picture 5">
+            <a:extLst>
+              <a:ext uri="{FF2B5EF4-FFF2-40B4-BE49-F238E27FC236}">
+                <a16:creationId xmlns:a16="http://schemas.microsoft.com/office/drawing/2014/main" id="{29D7BD99-7E18-EF46-54FA-5BC9278FB12C}"/>
+              </a:ext>
+            </a:extLst>
+          </p:cNvPr>
+          <p:cNvPicPr>
+            <a:picLocks noChangeAspect="1"/>
+          </p:cNvPicPr>
+          <p:nvPr/>
+        </p:nvPicPr>
+        <p:blipFill>
+          <a:blip r:embed="rId3"/>
+          <a:stretch>
+            <a:fillRect/>
+          </a:stretch>
+        </p:blipFill>
+        <p:spPr>
+          <a:xfrm>
+            <a:off x="2697017" y="3047602"/>
+            <a:ext cx="4988431" cy="3241004"/>
+          </a:xfrm>
+          <a:prstGeom prst="rect">
+            <a:avLst/>
+          </a:prstGeom>
+        </p:spPr>
+      </p:pic>
     </p:spTree>
     <p:extLst>
       <p:ext uri="{BB962C8B-B14F-4D97-AF65-F5344CB8AC3E}">
         <p14:creationId xmlns:p14="http://schemas.microsoft.com/office/powerpoint/2010/main" val="1371670819"/>
+      </p:ext>
+    </p:extLst>
+  </p:cSld>
+  <p:clrMapOvr>
+    <a:masterClrMapping/>
+  </p:clrMapOvr>
+  <p:timing>
+    <p:tnLst>
+      <p:par>
+        <p:cTn id="1" dur="indefinite" restart="never" nodeType="tmRoot">
+          <p:childTnLst>
+            <p:seq concurrent="1" nextAc="seek">
+              <p:cTn id="2" dur="indefinite" nodeType="mainSeq">
+                <p:childTnLst>
+                  <p:par>
+                    <p:cTn id="3" fill="hold">
+                      <p:stCondLst>
+                        <p:cond delay="indefinite"/>
+                      </p:stCondLst>
+                      <p:childTnLst>
+                        <p:par>
+                          <p:cTn id="4" fill="hold">
+                            <p:stCondLst>
+                              <p:cond delay="0"/>
+                            </p:stCondLst>
+                            <p:childTnLst>
+                              <p:par>
+                                <p:cTn id="5" presetID="1" presetClass="entr" presetSubtype="0" fill="hold" nodeType="clickEffect">
+                                  <p:stCondLst>
+                                    <p:cond delay="0"/>
+                                  </p:stCondLst>
+                                  <p:childTnLst>
+                                    <p:set>
+                                      <p:cBhvr>
+                                        <p:cTn id="6" dur="1" fill="hold">
+                                          <p:stCondLst>
+                                            <p:cond delay="0"/>
+                                          </p:stCondLst>
+                                        </p:cTn>
+                                        <p:tgtEl>
+                                          <p:spTgt spid="6"/>
+                                        </p:tgtEl>
+                                        <p:attrNameLst>
+                                          <p:attrName>style.visibility</p:attrName>
+                                        </p:attrNameLst>
+                                      </p:cBhvr>
+                                      <p:to>
+                                        <p:strVal val="visible"/>
+                                      </p:to>
+                                    </p:set>
+                                  </p:childTnLst>
+                                </p:cTn>
+                              </p:par>
+                            </p:childTnLst>
+                          </p:cTn>
+                        </p:par>
+                      </p:childTnLst>
+                    </p:cTn>
+                  </p:par>
+                </p:childTnLst>
+              </p:cTn>
+              <p:prevCondLst>
+                <p:cond evt="onPrev" delay="0">
+                  <p:tgtEl>
+                    <p:sldTgt/>
+                  </p:tgtEl>
+                </p:cond>
+              </p:prevCondLst>
+              <p:nextCondLst>
+                <p:cond evt="onNext" delay="0">
+                  <p:tgtEl>
+                    <p:sldTgt/>
+                  </p:tgtEl>
+                </p:cond>
+              </p:nextCondLst>
+            </p:seq>
+          </p:childTnLst>
+        </p:cTn>
+      </p:par>
+    </p:tnLst>
+  </p:timing>
+</p:sld>
+</file>
+
+<file path=ppt/slides/slide9.xml><?xml version="1.0" encoding="utf-8"?>
+<p:sld xmlns:a="http://schemas.openxmlformats.org/drawingml/2006/main" xmlns:r="http://schemas.openxmlformats.org/officeDocument/2006/relationships" xmlns:p="http://schemas.openxmlformats.org/presentationml/2006/main">
+  <p:cSld>
+    <p:spTree>
+      <p:nvGrpSpPr>
+        <p:cNvPr id="1" name="">
+          <a:extLst>
+            <a:ext uri="{FF2B5EF4-FFF2-40B4-BE49-F238E27FC236}">
+              <a16:creationId xmlns:a16="http://schemas.microsoft.com/office/drawing/2014/main" id="{7A44016C-A8A5-C7F0-991C-7B76B0750AF5}"/>
+            </a:ext>
+          </a:extLst>
+        </p:cNvPr>
+        <p:cNvGrpSpPr/>
+        <p:nvPr/>
+      </p:nvGrpSpPr>
+      <p:grpSpPr>
+        <a:xfrm>
+          <a:off x="0" y="0"/>
+          <a:ext cx="0" cy="0"/>
+          <a:chOff x="0" y="0"/>
+          <a:chExt cx="0" cy="0"/>
+        </a:xfrm>
+      </p:grpSpPr>
+      <p:sp>
+        <p:nvSpPr>
+          <p:cNvPr id="2" name="Title 1">
+            <a:extLst>
+              <a:ext uri="{FF2B5EF4-FFF2-40B4-BE49-F238E27FC236}">
+                <a16:creationId xmlns:a16="http://schemas.microsoft.com/office/drawing/2014/main" id="{5B7F66F3-B7CB-D7ED-287E-BFA715C576EC}"/>
+              </a:ext>
+            </a:extLst>
+          </p:cNvPr>
+          <p:cNvSpPr>
+            <a:spLocks noGrp="1"/>
+          </p:cNvSpPr>
+          <p:nvPr>
+            <p:ph type="title"/>
+          </p:nvPr>
+        </p:nvSpPr>
+        <p:spPr/>
+        <p:txBody>
+          <a:bodyPr/>
+          <a:lstStyle/>
+          <a:p>
+            <a:r>
+              <a:rPr lang="en-US" dirty="0"/>
+              <a:t>Background -- KV Cache </a:t>
+            </a:r>
+            <a:r>
+              <a:rPr lang="en-US" dirty="0">
+                <a:solidFill>
+                  <a:srgbClr val="FF0000"/>
+                </a:solidFill>
+              </a:rPr>
+              <a:t>Naïve Allocation</a:t>
+            </a:r>
+          </a:p>
+        </p:txBody>
+      </p:sp>
+      <p:sp>
+        <p:nvSpPr>
+          <p:cNvPr id="4" name="TextBox 3">
+            <a:extLst>
+              <a:ext uri="{FF2B5EF4-FFF2-40B4-BE49-F238E27FC236}">
+                <a16:creationId xmlns:a16="http://schemas.microsoft.com/office/drawing/2014/main" id="{244B6AF2-BD5C-2042-9B15-D06A41F62C41}"/>
+              </a:ext>
+            </a:extLst>
+          </p:cNvPr>
+          <p:cNvSpPr txBox="1"/>
+          <p:nvPr/>
+        </p:nvSpPr>
+        <p:spPr>
+          <a:xfrm>
+            <a:off x="838200" y="1893455"/>
+            <a:ext cx="9774382" cy="2031325"/>
+          </a:xfrm>
+          <a:prstGeom prst="rect">
+            <a:avLst/>
+          </a:prstGeom>
+          <a:noFill/>
+        </p:spPr>
+        <p:txBody>
+          <a:bodyPr wrap="square" rtlCol="0">
+            <a:spAutoFit/>
+          </a:bodyPr>
+          <a:lstStyle/>
+          <a:p>
+            <a:pPr marL="285750" indent="-285750">
+              <a:buFont typeface="Arial" panose="020B0604020202020204" pitchFamily="34" charset="0"/>
+              <a:buChar char="•"/>
+            </a:pPr>
+            <a:r>
+              <a:rPr lang="en-US" dirty="0"/>
+              <a:t>For each incoming request, allocate memory equal to what would be needed for the maximum sequence length</a:t>
+            </a:r>
+          </a:p>
+          <a:p>
+            <a:pPr marL="742950" lvl="1" indent="-285750">
+              <a:buFont typeface="Arial" panose="020B0604020202020204" pitchFamily="34" charset="0"/>
+              <a:buChar char="•"/>
+            </a:pPr>
+            <a:r>
+              <a:rPr lang="en-US" dirty="0"/>
+              <a:t>Because standard attention computation requires all K and V to be present in memory in contiguous chunks</a:t>
+            </a:r>
+          </a:p>
+          <a:p>
+            <a:pPr marL="285750" indent="-285750">
+              <a:buFont typeface="Arial" panose="020B0604020202020204" pitchFamily="34" charset="0"/>
+              <a:buChar char="•"/>
+            </a:pPr>
+            <a:r>
+              <a:rPr lang="en-US" dirty="0"/>
+              <a:t>Wastes huge amount of memory</a:t>
+            </a:r>
+          </a:p>
+          <a:p>
+            <a:pPr marL="742950" lvl="1" indent="-285750">
+              <a:buFont typeface="Arial" panose="020B0604020202020204" pitchFamily="34" charset="0"/>
+              <a:buChar char="•"/>
+            </a:pPr>
+            <a:r>
+              <a:rPr lang="en-US" dirty="0"/>
+              <a:t>Fragmentation</a:t>
+            </a:r>
+          </a:p>
+          <a:p>
+            <a:pPr marL="742950" lvl="1" indent="-285750">
+              <a:buFont typeface="Arial" panose="020B0604020202020204" pitchFamily="34" charset="0"/>
+              <a:buChar char="•"/>
+            </a:pPr>
+            <a:r>
+              <a:rPr lang="en-US" dirty="0"/>
+              <a:t>Some estimates say almost 80% memory goes unused</a:t>
+            </a:r>
+          </a:p>
+        </p:txBody>
+      </p:sp>
+    </p:spTree>
+    <p:extLst>
+      <p:ext uri="{BB962C8B-B14F-4D97-AF65-F5344CB8AC3E}">
+        <p14:creationId xmlns:p14="http://schemas.microsoft.com/office/powerpoint/2010/main" val="2843370424"/>
       </p:ext>
     </p:extLst>
   </p:cSld>
@@ -4426,4 +6955,319 @@
     </a:ext>
   </a:extLst>
 </a:theme>
+</file>
+
+<file path=ppt/theme/theme2.xml><?xml version="1.0" encoding="utf-8"?>
+<a:theme xmlns:a="http://schemas.openxmlformats.org/drawingml/2006/main" name="Office Theme">
+  <a:themeElements>
+    <a:clrScheme name="Office">
+      <a:dk1>
+        <a:sysClr val="windowText" lastClr="000000"/>
+      </a:dk1>
+      <a:lt1>
+        <a:sysClr val="window" lastClr="FFFFFF"/>
+      </a:lt1>
+      <a:dk2>
+        <a:srgbClr val="0E2841"/>
+      </a:dk2>
+      <a:lt2>
+        <a:srgbClr val="E8E8E8"/>
+      </a:lt2>
+      <a:accent1>
+        <a:srgbClr val="156082"/>
+      </a:accent1>
+      <a:accent2>
+        <a:srgbClr val="E97132"/>
+      </a:accent2>
+      <a:accent3>
+        <a:srgbClr val="196B24"/>
+      </a:accent3>
+      <a:accent4>
+        <a:srgbClr val="0F9ED5"/>
+      </a:accent4>
+      <a:accent5>
+        <a:srgbClr val="A02B93"/>
+      </a:accent5>
+      <a:accent6>
+        <a:srgbClr val="4EA72E"/>
+      </a:accent6>
+      <a:hlink>
+        <a:srgbClr val="467886"/>
+      </a:hlink>
+      <a:folHlink>
+        <a:srgbClr val="96607D"/>
+      </a:folHlink>
+    </a:clrScheme>
+    <a:fontScheme name="Office">
+      <a:majorFont>
+        <a:latin typeface="Aptos Display" panose="02110004020202020204"/>
+        <a:ea typeface=""/>
+        <a:cs typeface=""/>
+        <a:font script="Jpan" typeface="游ゴシック Light"/>
+        <a:font script="Hang" typeface="맑은 고딕"/>
+        <a:font script="Hans" typeface="等线 Light"/>
+        <a:font script="Hant" typeface="新細明體"/>
+        <a:font script="Arab" typeface="Times New Roman"/>
+        <a:font script="Hebr" typeface="Times New Roman"/>
+        <a:font script="Thai" typeface="Angsana New"/>
+        <a:font script="Ethi" typeface="Nyala"/>
+        <a:font script="Beng" typeface="Vrinda"/>
+        <a:font script="Gujr" typeface="Shruti"/>
+        <a:font script="Khmr" typeface="MoolBoran"/>
+        <a:font script="Knda" typeface="Tunga"/>
+        <a:font script="Guru" typeface="Raavi"/>
+        <a:font script="Cans" typeface="Euphemia"/>
+        <a:font script="Cher" typeface="Plantagenet Cherokee"/>
+        <a:font script="Yiii" typeface="Microsoft Yi Baiti"/>
+        <a:font script="Tibt" typeface="Microsoft Himalaya"/>
+        <a:font script="Thaa" typeface="MV Boli"/>
+        <a:font script="Deva" typeface="Mangal"/>
+        <a:font script="Telu" typeface="Gautami"/>
+        <a:font script="Taml" typeface="Latha"/>
+        <a:font script="Syrc" typeface="Estrangelo Edessa"/>
+        <a:font script="Orya" typeface="Kalinga"/>
+        <a:font script="Mlym" typeface="Kartika"/>
+        <a:font script="Laoo" typeface="DokChampa"/>
+        <a:font script="Sinh" typeface="Iskoola Pota"/>
+        <a:font script="Mong" typeface="Mongolian Baiti"/>
+        <a:font script="Viet" typeface="Times New Roman"/>
+        <a:font script="Uigh" typeface="Microsoft Uighur"/>
+        <a:font script="Geor" typeface="Sylfaen"/>
+        <a:font script="Armn" typeface="Arial"/>
+        <a:font script="Bugi" typeface="Leelawadee UI"/>
+        <a:font script="Bopo" typeface="Microsoft JhengHei"/>
+        <a:font script="Java" typeface="Javanese Text"/>
+        <a:font script="Lisu" typeface="Segoe UI"/>
+        <a:font script="Mymr" typeface="Myanmar Text"/>
+        <a:font script="Nkoo" typeface="Ebrima"/>
+        <a:font script="Olck" typeface="Nirmala UI"/>
+        <a:font script="Osma" typeface="Ebrima"/>
+        <a:font script="Phag" typeface="Phagspa"/>
+        <a:font script="Syrn" typeface="Estrangelo Edessa"/>
+        <a:font script="Syrj" typeface="Estrangelo Edessa"/>
+        <a:font script="Syre" typeface="Estrangelo Edessa"/>
+        <a:font script="Sora" typeface="Nirmala UI"/>
+        <a:font script="Tale" typeface="Microsoft Tai Le"/>
+        <a:font script="Talu" typeface="Microsoft New Tai Lue"/>
+        <a:font script="Tfng" typeface="Ebrima"/>
+      </a:majorFont>
+      <a:minorFont>
+        <a:latin typeface="Aptos" panose="02110004020202020204"/>
+        <a:ea typeface=""/>
+        <a:cs typeface=""/>
+        <a:font script="Jpan" typeface="游ゴシック"/>
+        <a:font script="Hang" typeface="맑은 고딕"/>
+        <a:font script="Hans" typeface="等线"/>
+        <a:font script="Hant" typeface="新細明體"/>
+        <a:font script="Arab" typeface="Arial"/>
+        <a:font script="Hebr" typeface="Arial"/>
+        <a:font script="Thai" typeface="Cordia New"/>
+        <a:font script="Ethi" typeface="Nyala"/>
+        <a:font script="Beng" typeface="Vrinda"/>
+        <a:font script="Gujr" typeface="Shruti"/>
+        <a:font script="Khmr" typeface="DaunPenh"/>
+        <a:font script="Knda" typeface="Tunga"/>
+        <a:font script="Guru" typeface="Raavi"/>
+        <a:font script="Cans" typeface="Euphemia"/>
+        <a:font script="Cher" typeface="Plantagenet Cherokee"/>
+        <a:font script="Yiii" typeface="Microsoft Yi Baiti"/>
+        <a:font script="Tibt" typeface="Microsoft Himalaya"/>
+        <a:font script="Thaa" typeface="MV Boli"/>
+        <a:font script="Deva" typeface="Mangal"/>
+        <a:font script="Telu" typeface="Gautami"/>
+        <a:font script="Taml" typeface="Latha"/>
+        <a:font script="Syrc" typeface="Estrangelo Edessa"/>
+        <a:font script="Orya" typeface="Kalinga"/>
+        <a:font script="Mlym" typeface="Kartika"/>
+        <a:font script="Laoo" typeface="DokChampa"/>
+        <a:font script="Sinh" typeface="Iskoola Pota"/>
+        <a:font script="Mong" typeface="Mongolian Baiti"/>
+        <a:font script="Viet" typeface="Arial"/>
+        <a:font script="Uigh" typeface="Microsoft Uighur"/>
+        <a:font script="Geor" typeface="Sylfaen"/>
+        <a:font script="Armn" typeface="Arial"/>
+        <a:font script="Bugi" typeface="Leelawadee UI"/>
+        <a:font script="Bopo" typeface="Microsoft JhengHei"/>
+        <a:font script="Java" typeface="Javanese Text"/>
+        <a:font script="Lisu" typeface="Segoe UI"/>
+        <a:font script="Mymr" typeface="Myanmar Text"/>
+        <a:font script="Nkoo" typeface="Ebrima"/>
+        <a:font script="Olck" typeface="Nirmala UI"/>
+        <a:font script="Osma" typeface="Ebrima"/>
+        <a:font script="Phag" typeface="Phagspa"/>
+        <a:font script="Syrn" typeface="Estrangelo Edessa"/>
+        <a:font script="Syrj" typeface="Estrangelo Edessa"/>
+        <a:font script="Syre" typeface="Estrangelo Edessa"/>
+        <a:font script="Sora" typeface="Nirmala UI"/>
+        <a:font script="Tale" typeface="Microsoft Tai Le"/>
+        <a:font script="Talu" typeface="Microsoft New Tai Lue"/>
+        <a:font script="Tfng" typeface="Ebrima"/>
+      </a:minorFont>
+    </a:fontScheme>
+    <a:fmtScheme name="Office">
+      <a:fillStyleLst>
+        <a:solidFill>
+          <a:schemeClr val="phClr"/>
+        </a:solidFill>
+        <a:gradFill rotWithShape="1">
+          <a:gsLst>
+            <a:gs pos="0">
+              <a:schemeClr val="phClr">
+                <a:lumMod val="110000"/>
+                <a:satMod val="105000"/>
+                <a:tint val="67000"/>
+              </a:schemeClr>
+            </a:gs>
+            <a:gs pos="50000">
+              <a:schemeClr val="phClr">
+                <a:lumMod val="105000"/>
+                <a:satMod val="103000"/>
+                <a:tint val="73000"/>
+              </a:schemeClr>
+            </a:gs>
+            <a:gs pos="100000">
+              <a:schemeClr val="phClr">
+                <a:lumMod val="105000"/>
+                <a:satMod val="109000"/>
+                <a:tint val="81000"/>
+              </a:schemeClr>
+            </a:gs>
+          </a:gsLst>
+          <a:lin ang="5400000" scaled="0"/>
+        </a:gradFill>
+        <a:gradFill rotWithShape="1">
+          <a:gsLst>
+            <a:gs pos="0">
+              <a:schemeClr val="phClr">
+                <a:satMod val="103000"/>
+                <a:lumMod val="102000"/>
+                <a:tint val="94000"/>
+              </a:schemeClr>
+            </a:gs>
+            <a:gs pos="50000">
+              <a:schemeClr val="phClr">
+                <a:satMod val="110000"/>
+                <a:lumMod val="100000"/>
+                <a:shade val="100000"/>
+              </a:schemeClr>
+            </a:gs>
+            <a:gs pos="100000">
+              <a:schemeClr val="phClr">
+                <a:lumMod val="99000"/>
+                <a:satMod val="120000"/>
+                <a:shade val="78000"/>
+              </a:schemeClr>
+            </a:gs>
+          </a:gsLst>
+          <a:lin ang="5400000" scaled="0"/>
+        </a:gradFill>
+      </a:fillStyleLst>
+      <a:lnStyleLst>
+        <a:ln w="12700" cap="flat" cmpd="sng" algn="ctr">
+          <a:solidFill>
+            <a:schemeClr val="phClr"/>
+          </a:solidFill>
+          <a:prstDash val="solid"/>
+          <a:miter lim="800000"/>
+        </a:ln>
+        <a:ln w="19050" cap="flat" cmpd="sng" algn="ctr">
+          <a:solidFill>
+            <a:schemeClr val="phClr"/>
+          </a:solidFill>
+          <a:prstDash val="solid"/>
+          <a:miter lim="800000"/>
+        </a:ln>
+        <a:ln w="25400" cap="flat" cmpd="sng" algn="ctr">
+          <a:solidFill>
+            <a:schemeClr val="phClr"/>
+          </a:solidFill>
+          <a:prstDash val="solid"/>
+          <a:miter lim="800000"/>
+        </a:ln>
+      </a:lnStyleLst>
+      <a:effectStyleLst>
+        <a:effectStyle>
+          <a:effectLst/>
+        </a:effectStyle>
+        <a:effectStyle>
+          <a:effectLst/>
+        </a:effectStyle>
+        <a:effectStyle>
+          <a:effectLst>
+            <a:outerShdw blurRad="57150" dist="19050" dir="5400000" algn="ctr" rotWithShape="0">
+              <a:srgbClr val="000000">
+                <a:alpha val="63000"/>
+              </a:srgbClr>
+            </a:outerShdw>
+          </a:effectLst>
+        </a:effectStyle>
+      </a:effectStyleLst>
+      <a:bgFillStyleLst>
+        <a:solidFill>
+          <a:schemeClr val="phClr"/>
+        </a:solidFill>
+        <a:solidFill>
+          <a:schemeClr val="phClr">
+            <a:tint val="95000"/>
+            <a:satMod val="170000"/>
+          </a:schemeClr>
+        </a:solidFill>
+        <a:gradFill rotWithShape="1">
+          <a:gsLst>
+            <a:gs pos="0">
+              <a:schemeClr val="phClr">
+                <a:tint val="93000"/>
+                <a:satMod val="150000"/>
+                <a:shade val="98000"/>
+                <a:lumMod val="102000"/>
+              </a:schemeClr>
+            </a:gs>
+            <a:gs pos="50000">
+              <a:schemeClr val="phClr">
+                <a:tint val="98000"/>
+                <a:satMod val="130000"/>
+                <a:shade val="90000"/>
+                <a:lumMod val="103000"/>
+              </a:schemeClr>
+            </a:gs>
+            <a:gs pos="100000">
+              <a:schemeClr val="phClr">
+                <a:shade val="63000"/>
+                <a:satMod val="120000"/>
+              </a:schemeClr>
+            </a:gs>
+          </a:gsLst>
+          <a:lin ang="5400000" scaled="0"/>
+        </a:gradFill>
+      </a:bgFillStyleLst>
+    </a:fmtScheme>
+  </a:themeElements>
+  <a:objectDefaults>
+    <a:lnDef>
+      <a:spPr/>
+      <a:bodyPr/>
+      <a:lstStyle/>
+      <a:style>
+        <a:lnRef idx="2">
+          <a:schemeClr val="accent1"/>
+        </a:lnRef>
+        <a:fillRef idx="0">
+          <a:schemeClr val="accent1"/>
+        </a:fillRef>
+        <a:effectRef idx="1">
+          <a:schemeClr val="accent1"/>
+        </a:effectRef>
+        <a:fontRef idx="minor">
+          <a:schemeClr val="tx1"/>
+        </a:fontRef>
+      </a:style>
+    </a:lnDef>
+  </a:objectDefaults>
+  <a:extraClrSchemeLst/>
+  <a:extLst>
+    <a:ext uri="{05A4C25C-085E-4340-85A3-A5531E510DB2}">
+      <thm15:themeFamily xmlns:thm15="http://schemas.microsoft.com/office/thememl/2012/main" name="Office Theme" id="{2E142A2C-CD16-42D6-873A-C26D2A0506FA}" vid="{1BDDFF52-6CD6-40A5-AB3C-68EB2F1E4D0A}"/>
+    </a:ext>
+  </a:extLst>
+</a:theme>
 </file>
--- a/DiffKV MLSys Seminar.pptx
+++ b/DiffKV MLSys Seminar.pptx
@@ -5,7 +5,7 @@
     <p:sldMasterId id="2147483648" r:id="rId1"/>
   </p:sldMasterIdLst>
   <p:notesMasterIdLst>
-    <p:notesMasterId r:id="rId17"/>
+    <p:notesMasterId r:id="rId21"/>
   </p:notesMasterIdLst>
   <p:sldIdLst>
     <p:sldId id="256" r:id="rId2"/>
@@ -23,6 +23,10 @@
     <p:sldId id="268" r:id="rId14"/>
     <p:sldId id="269" r:id="rId15"/>
     <p:sldId id="270" r:id="rId16"/>
+    <p:sldId id="271" r:id="rId17"/>
+    <p:sldId id="272" r:id="rId18"/>
+    <p:sldId id="273" r:id="rId19"/>
+    <p:sldId id="274" r:id="rId20"/>
   </p:sldIdLst>
   <p:sldSz cx="12192000" cy="6858000"/>
   <p:notesSz cx="6858000" cy="9144000"/>
@@ -1065,6 +1069,204 @@
     <p:extLst>
       <p:ext uri="{BB962C8B-B14F-4D97-AF65-F5344CB8AC3E}">
         <p14:creationId xmlns:p14="http://schemas.microsoft.com/office/powerpoint/2010/main" val="4137438855"/>
+      </p:ext>
+    </p:extLst>
+  </p:cSld>
+  <p:clrMapOvr>
+    <a:masterClrMapping/>
+  </p:clrMapOvr>
+</p:notes>
+</file>
+
+<file path=ppt/notesSlides/notesSlide7.xml><?xml version="1.0" encoding="utf-8"?>
+<p:notes xmlns:a="http://schemas.openxmlformats.org/drawingml/2006/main" xmlns:r="http://schemas.openxmlformats.org/officeDocument/2006/relationships" xmlns:p="http://schemas.openxmlformats.org/presentationml/2006/main">
+  <p:cSld>
+    <p:spTree>
+      <p:nvGrpSpPr>
+        <p:cNvPr id="1" name=""/>
+        <p:cNvGrpSpPr/>
+        <p:nvPr/>
+      </p:nvGrpSpPr>
+      <p:grpSpPr>
+        <a:xfrm>
+          <a:off x="0" y="0"/>
+          <a:ext cx="0" cy="0"/>
+          <a:chOff x="0" y="0"/>
+          <a:chExt cx="0" cy="0"/>
+        </a:xfrm>
+      </p:grpSpPr>
+      <p:sp>
+        <p:nvSpPr>
+          <p:cNvPr id="2" name="Slide Image Placeholder 1"/>
+          <p:cNvSpPr>
+            <a:spLocks noGrp="1" noRot="1" noChangeAspect="1"/>
+          </p:cNvSpPr>
+          <p:nvPr>
+            <p:ph type="sldImg"/>
+          </p:nvPr>
+        </p:nvSpPr>
+        <p:spPr/>
+      </p:sp>
+      <p:sp>
+        <p:nvSpPr>
+          <p:cNvPr id="3" name="Notes Placeholder 2"/>
+          <p:cNvSpPr>
+            <a:spLocks noGrp="1"/>
+          </p:cNvSpPr>
+          <p:nvPr>
+            <p:ph type="body" idx="1"/>
+          </p:nvPr>
+        </p:nvSpPr>
+        <p:spPr/>
+        <p:txBody>
+          <a:bodyPr/>
+          <a:lstStyle/>
+          <a:p>
+            <a:r>
+              <a:rPr lang="en-US" dirty="0"/>
+              <a:t>Shouldn’t it be 1/N. it should be I guess. </a:t>
+            </a:r>
+          </a:p>
+        </p:txBody>
+      </p:sp>
+      <p:sp>
+        <p:nvSpPr>
+          <p:cNvPr id="4" name="Slide Number Placeholder 3"/>
+          <p:cNvSpPr>
+            <a:spLocks noGrp="1"/>
+          </p:cNvSpPr>
+          <p:nvPr>
+            <p:ph type="sldNum" sz="quarter" idx="5"/>
+          </p:nvPr>
+        </p:nvSpPr>
+        <p:spPr/>
+        <p:txBody>
+          <a:bodyPr/>
+          <a:lstStyle/>
+          <a:p>
+            <a:fld id="{638EAFA4-A826-D24A-8948-D0B39EB9DE35}" type="slidenum">
+              <a:rPr lang="en-US" smtClean="0"/>
+              <a:t>17</a:t>
+            </a:fld>
+            <a:endParaRPr lang="en-US"/>
+          </a:p>
+        </p:txBody>
+      </p:sp>
+    </p:spTree>
+    <p:extLst>
+      <p:ext uri="{BB962C8B-B14F-4D97-AF65-F5344CB8AC3E}">
+        <p14:creationId xmlns:p14="http://schemas.microsoft.com/office/powerpoint/2010/main" val="1952247772"/>
+      </p:ext>
+    </p:extLst>
+  </p:cSld>
+  <p:clrMapOvr>
+    <a:masterClrMapping/>
+  </p:clrMapOvr>
+</p:notes>
+</file>
+
+<file path=ppt/notesSlides/notesSlide8.xml><?xml version="1.0" encoding="utf-8"?>
+<p:notes xmlns:a="http://schemas.openxmlformats.org/drawingml/2006/main" xmlns:r="http://schemas.openxmlformats.org/officeDocument/2006/relationships" xmlns:p="http://schemas.openxmlformats.org/presentationml/2006/main">
+  <p:cSld>
+    <p:spTree>
+      <p:nvGrpSpPr>
+        <p:cNvPr id="1" name="">
+          <a:extLst>
+            <a:ext uri="{FF2B5EF4-FFF2-40B4-BE49-F238E27FC236}">
+              <a16:creationId xmlns:a16="http://schemas.microsoft.com/office/drawing/2014/main" id="{79D0D58D-0843-116D-165F-865F4E2BE421}"/>
+            </a:ext>
+          </a:extLst>
+        </p:cNvPr>
+        <p:cNvGrpSpPr/>
+        <p:nvPr/>
+      </p:nvGrpSpPr>
+      <p:grpSpPr>
+        <a:xfrm>
+          <a:off x="0" y="0"/>
+          <a:ext cx="0" cy="0"/>
+          <a:chOff x="0" y="0"/>
+          <a:chExt cx="0" cy="0"/>
+        </a:xfrm>
+      </p:grpSpPr>
+      <p:sp>
+        <p:nvSpPr>
+          <p:cNvPr id="2" name="Slide Image Placeholder 1">
+            <a:extLst>
+              <a:ext uri="{FF2B5EF4-FFF2-40B4-BE49-F238E27FC236}">
+                <a16:creationId xmlns:a16="http://schemas.microsoft.com/office/drawing/2014/main" id="{E2D4AF86-9CF0-46C8-9BCB-616C73FB8E6D}"/>
+              </a:ext>
+            </a:extLst>
+          </p:cNvPr>
+          <p:cNvSpPr>
+            <a:spLocks noGrp="1" noRot="1" noChangeAspect="1"/>
+          </p:cNvSpPr>
+          <p:nvPr>
+            <p:ph type="sldImg"/>
+          </p:nvPr>
+        </p:nvSpPr>
+        <p:spPr/>
+      </p:sp>
+      <p:sp>
+        <p:nvSpPr>
+          <p:cNvPr id="3" name="Notes Placeholder 2">
+            <a:extLst>
+              <a:ext uri="{FF2B5EF4-FFF2-40B4-BE49-F238E27FC236}">
+                <a16:creationId xmlns:a16="http://schemas.microsoft.com/office/drawing/2014/main" id="{D68B20D2-0DF0-9395-7C10-C03FEC676637}"/>
+              </a:ext>
+            </a:extLst>
+          </p:cNvPr>
+          <p:cNvSpPr>
+            <a:spLocks noGrp="1"/>
+          </p:cNvSpPr>
+          <p:nvPr>
+            <p:ph type="body" idx="1"/>
+          </p:nvPr>
+        </p:nvSpPr>
+        <p:spPr/>
+        <p:txBody>
+          <a:bodyPr/>
+          <a:lstStyle/>
+          <a:p>
+            <a:r>
+              <a:rPr lang="en-US" dirty="0"/>
+              <a:t>Shouldn’t it be 1/N. it should be I guess. </a:t>
+            </a:r>
+          </a:p>
+        </p:txBody>
+      </p:sp>
+      <p:sp>
+        <p:nvSpPr>
+          <p:cNvPr id="4" name="Slide Number Placeholder 3">
+            <a:extLst>
+              <a:ext uri="{FF2B5EF4-FFF2-40B4-BE49-F238E27FC236}">
+                <a16:creationId xmlns:a16="http://schemas.microsoft.com/office/drawing/2014/main" id="{B48A0008-9EFE-90DD-1F95-28841529A833}"/>
+              </a:ext>
+            </a:extLst>
+          </p:cNvPr>
+          <p:cNvSpPr>
+            <a:spLocks noGrp="1"/>
+          </p:cNvSpPr>
+          <p:nvPr>
+            <p:ph type="sldNum" sz="quarter" idx="5"/>
+          </p:nvPr>
+        </p:nvSpPr>
+        <p:spPr/>
+        <p:txBody>
+          <a:bodyPr/>
+          <a:lstStyle/>
+          <a:p>
+            <a:fld id="{638EAFA4-A826-D24A-8948-D0B39EB9DE35}" type="slidenum">
+              <a:rPr lang="en-US" smtClean="0"/>
+              <a:t>18</a:t>
+            </a:fld>
+            <a:endParaRPr lang="en-US"/>
+          </a:p>
+        </p:txBody>
+      </p:sp>
+    </p:spTree>
+    <p:extLst>
+      <p:ext uri="{BB962C8B-B14F-4D97-AF65-F5344CB8AC3E}">
+        <p14:creationId xmlns:p14="http://schemas.microsoft.com/office/powerpoint/2010/main" val="2184071072"/>
       </p:ext>
     </p:extLst>
   </p:cSld>
@@ -5285,6 +5487,796 @@
       </p:par>
     </p:tnLst>
   </p:timing>
+</p:sld>
+</file>
+
+<file path=ppt/slides/slide16.xml><?xml version="1.0" encoding="utf-8"?>
+<p:sld xmlns:a="http://schemas.openxmlformats.org/drawingml/2006/main" xmlns:r="http://schemas.openxmlformats.org/officeDocument/2006/relationships" xmlns:p="http://schemas.openxmlformats.org/presentationml/2006/main">
+  <p:cSld>
+    <p:spTree>
+      <p:nvGrpSpPr>
+        <p:cNvPr id="1" name=""/>
+        <p:cNvGrpSpPr/>
+        <p:nvPr/>
+      </p:nvGrpSpPr>
+      <p:grpSpPr>
+        <a:xfrm>
+          <a:off x="0" y="0"/>
+          <a:ext cx="0" cy="0"/>
+          <a:chOff x="0" y="0"/>
+          <a:chExt cx="0" cy="0"/>
+        </a:xfrm>
+      </p:grpSpPr>
+      <p:sp>
+        <p:nvSpPr>
+          <p:cNvPr id="2" name="Title 1">
+            <a:extLst>
+              <a:ext uri="{FF2B5EF4-FFF2-40B4-BE49-F238E27FC236}">
+                <a16:creationId xmlns:a16="http://schemas.microsoft.com/office/drawing/2014/main" id="{6ADD4A05-C9A2-E493-1AEB-7203DB24CF9D}"/>
+              </a:ext>
+            </a:extLst>
+          </p:cNvPr>
+          <p:cNvSpPr>
+            <a:spLocks noGrp="1"/>
+          </p:cNvSpPr>
+          <p:nvPr>
+            <p:ph type="title"/>
+          </p:nvPr>
+        </p:nvSpPr>
+        <p:spPr/>
+        <p:txBody>
+          <a:bodyPr/>
+          <a:lstStyle/>
+          <a:p>
+            <a:r>
+              <a:rPr lang="en-US" dirty="0"/>
+              <a:t>KV Compression Policy</a:t>
+            </a:r>
+          </a:p>
+        </p:txBody>
+      </p:sp>
+      <p:sp>
+        <p:nvSpPr>
+          <p:cNvPr id="3" name="Content Placeholder 2">
+            <a:extLst>
+              <a:ext uri="{FF2B5EF4-FFF2-40B4-BE49-F238E27FC236}">
+                <a16:creationId xmlns:a16="http://schemas.microsoft.com/office/drawing/2014/main" id="{44F96F01-FDFD-DE0E-CCBD-470EA97AB910}"/>
+              </a:ext>
+            </a:extLst>
+          </p:cNvPr>
+          <p:cNvSpPr>
+            <a:spLocks noGrp="1"/>
+          </p:cNvSpPr>
+          <p:nvPr>
+            <p:ph idx="1"/>
+          </p:nvPr>
+        </p:nvSpPr>
+        <p:spPr/>
+        <p:txBody>
+          <a:bodyPr/>
+          <a:lstStyle/>
+          <a:p>
+            <a:r>
+              <a:rPr lang="en-US" dirty="0"/>
+              <a:t>Keys use higher precision than values</a:t>
+            </a:r>
+          </a:p>
+          <a:p>
+            <a:pPr lvl="1"/>
+            <a:r>
+              <a:rPr lang="en-US" dirty="0"/>
+              <a:t>K8V4 or K4V2</a:t>
+            </a:r>
+          </a:p>
+          <a:p>
+            <a:r>
+              <a:rPr lang="en-US" dirty="0"/>
+              <a:t>Each token’s significance is calculated and classified as, (</a:t>
+            </a:r>
+            <a:r>
+              <a:rPr lang="en-US" dirty="0" err="1"/>
+              <a:t>i</a:t>
+            </a:r>
+            <a:r>
+              <a:rPr lang="en-US" dirty="0"/>
+              <a:t>) most significant, (ii) moderately significant or (iii) least significant</a:t>
+            </a:r>
+          </a:p>
+          <a:p>
+            <a:pPr lvl="1"/>
+            <a:r>
+              <a:rPr lang="en-US" dirty="0"/>
+              <a:t>Most significant use K8V4</a:t>
+            </a:r>
+          </a:p>
+          <a:p>
+            <a:pPr lvl="1"/>
+            <a:r>
+              <a:rPr lang="en-US" dirty="0"/>
+              <a:t>Moderately significant use K4V2</a:t>
+            </a:r>
+          </a:p>
+          <a:p>
+            <a:pPr lvl="1"/>
+            <a:r>
+              <a:rPr lang="en-US" dirty="0"/>
+              <a:t>Least significant are dropped</a:t>
+            </a:r>
+          </a:p>
+          <a:p>
+            <a:r>
+              <a:rPr lang="en-US" dirty="0"/>
+              <a:t>Each head is allowed to determine its memory requirements dynamically (i.e., the memory management unit is designed to allow that)</a:t>
+            </a:r>
+          </a:p>
+        </p:txBody>
+      </p:sp>
+    </p:spTree>
+    <p:extLst>
+      <p:ext uri="{BB962C8B-B14F-4D97-AF65-F5344CB8AC3E}">
+        <p14:creationId xmlns:p14="http://schemas.microsoft.com/office/powerpoint/2010/main" val="3881048569"/>
+      </p:ext>
+    </p:extLst>
+  </p:cSld>
+  <p:clrMapOvr>
+    <a:masterClrMapping/>
+  </p:clrMapOvr>
+  <p:timing>
+    <p:tnLst>
+      <p:par>
+        <p:cTn id="1" dur="indefinite" restart="never" nodeType="tmRoot">
+          <p:childTnLst>
+            <p:seq concurrent="1" nextAc="seek">
+              <p:cTn id="2" dur="indefinite" nodeType="mainSeq">
+                <p:childTnLst>
+                  <p:par>
+                    <p:cTn id="3" fill="hold">
+                      <p:stCondLst>
+                        <p:cond delay="indefinite"/>
+                      </p:stCondLst>
+                      <p:childTnLst>
+                        <p:par>
+                          <p:cTn id="4" fill="hold">
+                            <p:stCondLst>
+                              <p:cond delay="0"/>
+                            </p:stCondLst>
+                            <p:childTnLst>
+                              <p:par>
+                                <p:cTn id="5" presetID="1" presetClass="entr" presetSubtype="0" fill="hold" grpId="0" nodeType="clickEffect">
+                                  <p:stCondLst>
+                                    <p:cond delay="0"/>
+                                  </p:stCondLst>
+                                  <p:childTnLst>
+                                    <p:set>
+                                      <p:cBhvr>
+                                        <p:cTn id="6" dur="1" fill="hold">
+                                          <p:stCondLst>
+                                            <p:cond delay="0"/>
+                                          </p:stCondLst>
+                                        </p:cTn>
+                                        <p:tgtEl>
+                                          <p:spTgt spid="3">
+                                            <p:txEl>
+                                              <p:pRg st="0" end="0"/>
+                                            </p:txEl>
+                                          </p:spTgt>
+                                        </p:tgtEl>
+                                        <p:attrNameLst>
+                                          <p:attrName>style.visibility</p:attrName>
+                                        </p:attrNameLst>
+                                      </p:cBhvr>
+                                      <p:to>
+                                        <p:strVal val="visible"/>
+                                      </p:to>
+                                    </p:set>
+                                  </p:childTnLst>
+                                </p:cTn>
+                              </p:par>
+                              <p:par>
+                                <p:cTn id="7" presetID="1" presetClass="entr" presetSubtype="0" fill="hold" grpId="0" nodeType="withEffect">
+                                  <p:stCondLst>
+                                    <p:cond delay="0"/>
+                                  </p:stCondLst>
+                                  <p:childTnLst>
+                                    <p:set>
+                                      <p:cBhvr>
+                                        <p:cTn id="8" dur="1" fill="hold">
+                                          <p:stCondLst>
+                                            <p:cond delay="0"/>
+                                          </p:stCondLst>
+                                        </p:cTn>
+                                        <p:tgtEl>
+                                          <p:spTgt spid="3">
+                                            <p:txEl>
+                                              <p:pRg st="1" end="1"/>
+                                            </p:txEl>
+                                          </p:spTgt>
+                                        </p:tgtEl>
+                                        <p:attrNameLst>
+                                          <p:attrName>style.visibility</p:attrName>
+                                        </p:attrNameLst>
+                                      </p:cBhvr>
+                                      <p:to>
+                                        <p:strVal val="visible"/>
+                                      </p:to>
+                                    </p:set>
+                                  </p:childTnLst>
+                                </p:cTn>
+                              </p:par>
+                            </p:childTnLst>
+                          </p:cTn>
+                        </p:par>
+                      </p:childTnLst>
+                    </p:cTn>
+                  </p:par>
+                  <p:par>
+                    <p:cTn id="9" fill="hold">
+                      <p:stCondLst>
+                        <p:cond delay="indefinite"/>
+                      </p:stCondLst>
+                      <p:childTnLst>
+                        <p:par>
+                          <p:cTn id="10" fill="hold">
+                            <p:stCondLst>
+                              <p:cond delay="0"/>
+                            </p:stCondLst>
+                            <p:childTnLst>
+                              <p:par>
+                                <p:cTn id="11" presetID="1" presetClass="entr" presetSubtype="0" fill="hold" grpId="0" nodeType="clickEffect">
+                                  <p:stCondLst>
+                                    <p:cond delay="0"/>
+                                  </p:stCondLst>
+                                  <p:childTnLst>
+                                    <p:set>
+                                      <p:cBhvr>
+                                        <p:cTn id="12" dur="1" fill="hold">
+                                          <p:stCondLst>
+                                            <p:cond delay="0"/>
+                                          </p:stCondLst>
+                                        </p:cTn>
+                                        <p:tgtEl>
+                                          <p:spTgt spid="3">
+                                            <p:txEl>
+                                              <p:pRg st="2" end="2"/>
+                                            </p:txEl>
+                                          </p:spTgt>
+                                        </p:tgtEl>
+                                        <p:attrNameLst>
+                                          <p:attrName>style.visibility</p:attrName>
+                                        </p:attrNameLst>
+                                      </p:cBhvr>
+                                      <p:to>
+                                        <p:strVal val="visible"/>
+                                      </p:to>
+                                    </p:set>
+                                  </p:childTnLst>
+                                </p:cTn>
+                              </p:par>
+                              <p:par>
+                                <p:cTn id="13" presetID="1" presetClass="entr" presetSubtype="0" fill="hold" grpId="0" nodeType="withEffect">
+                                  <p:stCondLst>
+                                    <p:cond delay="0"/>
+                                  </p:stCondLst>
+                                  <p:childTnLst>
+                                    <p:set>
+                                      <p:cBhvr>
+                                        <p:cTn id="14" dur="1" fill="hold">
+                                          <p:stCondLst>
+                                            <p:cond delay="0"/>
+                                          </p:stCondLst>
+                                        </p:cTn>
+                                        <p:tgtEl>
+                                          <p:spTgt spid="3">
+                                            <p:txEl>
+                                              <p:pRg st="3" end="3"/>
+                                            </p:txEl>
+                                          </p:spTgt>
+                                        </p:tgtEl>
+                                        <p:attrNameLst>
+                                          <p:attrName>style.visibility</p:attrName>
+                                        </p:attrNameLst>
+                                      </p:cBhvr>
+                                      <p:to>
+                                        <p:strVal val="visible"/>
+                                      </p:to>
+                                    </p:set>
+                                  </p:childTnLst>
+                                </p:cTn>
+                              </p:par>
+                              <p:par>
+                                <p:cTn id="15" presetID="1" presetClass="entr" presetSubtype="0" fill="hold" grpId="0" nodeType="withEffect">
+                                  <p:stCondLst>
+                                    <p:cond delay="0"/>
+                                  </p:stCondLst>
+                                  <p:childTnLst>
+                                    <p:set>
+                                      <p:cBhvr>
+                                        <p:cTn id="16" dur="1" fill="hold">
+                                          <p:stCondLst>
+                                            <p:cond delay="0"/>
+                                          </p:stCondLst>
+                                        </p:cTn>
+                                        <p:tgtEl>
+                                          <p:spTgt spid="3">
+                                            <p:txEl>
+                                              <p:pRg st="4" end="4"/>
+                                            </p:txEl>
+                                          </p:spTgt>
+                                        </p:tgtEl>
+                                        <p:attrNameLst>
+                                          <p:attrName>style.visibility</p:attrName>
+                                        </p:attrNameLst>
+                                      </p:cBhvr>
+                                      <p:to>
+                                        <p:strVal val="visible"/>
+                                      </p:to>
+                                    </p:set>
+                                  </p:childTnLst>
+                                </p:cTn>
+                              </p:par>
+                              <p:par>
+                                <p:cTn id="17" presetID="1" presetClass="entr" presetSubtype="0" fill="hold" grpId="0" nodeType="withEffect">
+                                  <p:stCondLst>
+                                    <p:cond delay="0"/>
+                                  </p:stCondLst>
+                                  <p:childTnLst>
+                                    <p:set>
+                                      <p:cBhvr>
+                                        <p:cTn id="18" dur="1" fill="hold">
+                                          <p:stCondLst>
+                                            <p:cond delay="0"/>
+                                          </p:stCondLst>
+                                        </p:cTn>
+                                        <p:tgtEl>
+                                          <p:spTgt spid="3">
+                                            <p:txEl>
+                                              <p:pRg st="5" end="5"/>
+                                            </p:txEl>
+                                          </p:spTgt>
+                                        </p:tgtEl>
+                                        <p:attrNameLst>
+                                          <p:attrName>style.visibility</p:attrName>
+                                        </p:attrNameLst>
+                                      </p:cBhvr>
+                                      <p:to>
+                                        <p:strVal val="visible"/>
+                                      </p:to>
+                                    </p:set>
+                                  </p:childTnLst>
+                                </p:cTn>
+                              </p:par>
+                            </p:childTnLst>
+                          </p:cTn>
+                        </p:par>
+                      </p:childTnLst>
+                    </p:cTn>
+                  </p:par>
+                  <p:par>
+                    <p:cTn id="19" fill="hold">
+                      <p:stCondLst>
+                        <p:cond delay="indefinite"/>
+                      </p:stCondLst>
+                      <p:childTnLst>
+                        <p:par>
+                          <p:cTn id="20" fill="hold">
+                            <p:stCondLst>
+                              <p:cond delay="0"/>
+                            </p:stCondLst>
+                            <p:childTnLst>
+                              <p:par>
+                                <p:cTn id="21" presetID="1" presetClass="entr" presetSubtype="0" fill="hold" grpId="0" nodeType="clickEffect">
+                                  <p:stCondLst>
+                                    <p:cond delay="0"/>
+                                  </p:stCondLst>
+                                  <p:childTnLst>
+                                    <p:set>
+                                      <p:cBhvr>
+                                        <p:cTn id="22" dur="1" fill="hold">
+                                          <p:stCondLst>
+                                            <p:cond delay="0"/>
+                                          </p:stCondLst>
+                                        </p:cTn>
+                                        <p:tgtEl>
+                                          <p:spTgt spid="3">
+                                            <p:txEl>
+                                              <p:pRg st="6" end="6"/>
+                                            </p:txEl>
+                                          </p:spTgt>
+                                        </p:tgtEl>
+                                        <p:attrNameLst>
+                                          <p:attrName>style.visibility</p:attrName>
+                                        </p:attrNameLst>
+                                      </p:cBhvr>
+                                      <p:to>
+                                        <p:strVal val="visible"/>
+                                      </p:to>
+                                    </p:set>
+                                  </p:childTnLst>
+                                </p:cTn>
+                              </p:par>
+                            </p:childTnLst>
+                          </p:cTn>
+                        </p:par>
+                      </p:childTnLst>
+                    </p:cTn>
+                  </p:par>
+                </p:childTnLst>
+              </p:cTn>
+              <p:prevCondLst>
+                <p:cond evt="onPrev" delay="0">
+                  <p:tgtEl>
+                    <p:sldTgt/>
+                  </p:tgtEl>
+                </p:cond>
+              </p:prevCondLst>
+              <p:nextCondLst>
+                <p:cond evt="onNext" delay="0">
+                  <p:tgtEl>
+                    <p:sldTgt/>
+                  </p:tgtEl>
+                </p:cond>
+              </p:nextCondLst>
+            </p:seq>
+          </p:childTnLst>
+        </p:cTn>
+      </p:par>
+    </p:tnLst>
+    <p:bldLst>
+      <p:bldP spid="3" grpId="0" build="p"/>
+    </p:bldLst>
+  </p:timing>
+</p:sld>
+</file>
+
+<file path=ppt/slides/slide17.xml><?xml version="1.0" encoding="utf-8"?>
+<p:sld xmlns:a="http://schemas.openxmlformats.org/drawingml/2006/main" xmlns:r="http://schemas.openxmlformats.org/officeDocument/2006/relationships" xmlns:p="http://schemas.openxmlformats.org/presentationml/2006/main">
+  <p:cSld>
+    <p:spTree>
+      <p:nvGrpSpPr>
+        <p:cNvPr id="1" name="">
+          <a:extLst>
+            <a:ext uri="{FF2B5EF4-FFF2-40B4-BE49-F238E27FC236}">
+              <a16:creationId xmlns:a16="http://schemas.microsoft.com/office/drawing/2014/main" id="{971BE18D-140E-999E-311C-7A60D42D3F6B}"/>
+            </a:ext>
+          </a:extLst>
+        </p:cNvPr>
+        <p:cNvGrpSpPr/>
+        <p:nvPr/>
+      </p:nvGrpSpPr>
+      <p:grpSpPr>
+        <a:xfrm>
+          <a:off x="0" y="0"/>
+          <a:ext cx="0" cy="0"/>
+          <a:chOff x="0" y="0"/>
+          <a:chExt cx="0" cy="0"/>
+        </a:xfrm>
+      </p:grpSpPr>
+      <p:sp>
+        <p:nvSpPr>
+          <p:cNvPr id="2" name="Title 1">
+            <a:extLst>
+              <a:ext uri="{FF2B5EF4-FFF2-40B4-BE49-F238E27FC236}">
+                <a16:creationId xmlns:a16="http://schemas.microsoft.com/office/drawing/2014/main" id="{9C3DC037-93F1-5A74-6C11-C7E1B66533C0}"/>
+              </a:ext>
+            </a:extLst>
+          </p:cNvPr>
+          <p:cNvSpPr>
+            <a:spLocks noGrp="1"/>
+          </p:cNvSpPr>
+          <p:nvPr>
+            <p:ph type="title"/>
+          </p:nvPr>
+        </p:nvSpPr>
+        <p:spPr/>
+        <p:txBody>
+          <a:bodyPr/>
+          <a:lstStyle/>
+          <a:p>
+            <a:r>
+              <a:rPr lang="en-US" dirty="0"/>
+              <a:t>KV Compression Policy – Prompt Phase</a:t>
+            </a:r>
+          </a:p>
+        </p:txBody>
+      </p:sp>
+      <p:sp>
+        <p:nvSpPr>
+          <p:cNvPr id="3" name="Content Placeholder 2">
+            <a:extLst>
+              <a:ext uri="{FF2B5EF4-FFF2-40B4-BE49-F238E27FC236}">
+                <a16:creationId xmlns:a16="http://schemas.microsoft.com/office/drawing/2014/main" id="{BC80EE5A-5F4A-4354-6367-92F1A922E954}"/>
+              </a:ext>
+            </a:extLst>
+          </p:cNvPr>
+          <p:cNvSpPr>
+            <a:spLocks noGrp="1"/>
+          </p:cNvSpPr>
+          <p:nvPr>
+            <p:ph idx="1"/>
+          </p:nvPr>
+        </p:nvSpPr>
+        <p:spPr/>
+        <p:txBody>
+          <a:bodyPr/>
+          <a:lstStyle/>
+          <a:p>
+            <a:r>
+              <a:rPr lang="en-US" dirty="0"/>
+              <a:t>K and V is calculated for all tokens in the prompt</a:t>
+            </a:r>
+          </a:p>
+          <a:p>
+            <a:r>
+              <a:rPr lang="en-US" dirty="0"/>
+              <a:t>Significance is calculated for each token</a:t>
+            </a:r>
+          </a:p>
+          <a:p>
+            <a:pPr lvl="1"/>
+            <a:r>
+              <a:rPr lang="en-US" dirty="0"/>
+              <a:t>Average the attention scores it receives from the subsequent tokens</a:t>
+            </a:r>
+          </a:p>
+          <a:p>
+            <a:r>
+              <a:rPr lang="en-US" dirty="0"/>
+              <a:t>Compare significance score of </a:t>
+            </a:r>
+            <a:r>
+              <a:rPr lang="en-US" dirty="0" err="1"/>
+              <a:t>i-th</a:t>
+            </a:r>
+            <a:r>
+              <a:rPr lang="en-US" dirty="0"/>
+              <a:t> token to the theoretical average 1/</a:t>
+            </a:r>
+            <a:r>
+              <a:rPr lang="en-US" dirty="0" err="1"/>
+              <a:t>i</a:t>
+            </a:r>
+            <a:r>
+              <a:rPr lang="en-US" dirty="0"/>
+              <a:t>. </a:t>
+            </a:r>
+          </a:p>
+          <a:p>
+            <a:r>
+              <a:rPr lang="en-US" dirty="0"/>
+              <a:t>If score exceeds h/</a:t>
+            </a:r>
+            <a:r>
+              <a:rPr lang="en-US" dirty="0" err="1"/>
+              <a:t>i</a:t>
+            </a:r>
+            <a:r>
+              <a:rPr lang="en-US" dirty="0"/>
+              <a:t> </a:t>
+            </a:r>
+            <a:r>
+              <a:rPr lang="en-US" dirty="0">
+                <a:sym typeface="Wingdings" pitchFamily="2" charset="2"/>
+              </a:rPr>
+              <a:t> high precision</a:t>
+            </a:r>
+          </a:p>
+          <a:p>
+            <a:r>
+              <a:rPr lang="en-US" dirty="0">
+                <a:sym typeface="Wingdings" pitchFamily="2" charset="2"/>
+              </a:rPr>
+              <a:t>If score exceed l/</a:t>
+            </a:r>
+            <a:r>
+              <a:rPr lang="en-US" dirty="0" err="1">
+                <a:sym typeface="Wingdings" pitchFamily="2" charset="2"/>
+              </a:rPr>
+              <a:t>i</a:t>
+            </a:r>
+            <a:r>
+              <a:rPr lang="en-US" dirty="0">
+                <a:sym typeface="Wingdings" pitchFamily="2" charset="2"/>
+              </a:rPr>
+              <a:t>  low precision</a:t>
+            </a:r>
+          </a:p>
+          <a:p>
+            <a:r>
+              <a:rPr lang="en-US" dirty="0">
+                <a:sym typeface="Wingdings" pitchFamily="2" charset="2"/>
+              </a:rPr>
+              <a:t>Otherwise  drop the token</a:t>
+            </a:r>
+            <a:endParaRPr lang="en-US" dirty="0"/>
+          </a:p>
+        </p:txBody>
+      </p:sp>
+    </p:spTree>
+    <p:extLst>
+      <p:ext uri="{BB962C8B-B14F-4D97-AF65-F5344CB8AC3E}">
+        <p14:creationId xmlns:p14="http://schemas.microsoft.com/office/powerpoint/2010/main" val="1893727139"/>
+      </p:ext>
+    </p:extLst>
+  </p:cSld>
+  <p:clrMapOvr>
+    <a:masterClrMapping/>
+  </p:clrMapOvr>
+</p:sld>
+</file>
+
+<file path=ppt/slides/slide18.xml><?xml version="1.0" encoding="utf-8"?>
+<p:sld xmlns:a="http://schemas.openxmlformats.org/drawingml/2006/main" xmlns:r="http://schemas.openxmlformats.org/officeDocument/2006/relationships" xmlns:p="http://schemas.openxmlformats.org/presentationml/2006/main">
+  <p:cSld>
+    <p:spTree>
+      <p:nvGrpSpPr>
+        <p:cNvPr id="1" name="">
+          <a:extLst>
+            <a:ext uri="{FF2B5EF4-FFF2-40B4-BE49-F238E27FC236}">
+              <a16:creationId xmlns:a16="http://schemas.microsoft.com/office/drawing/2014/main" id="{7097ED65-7842-BFBB-E640-DC9A42E9E74D}"/>
+            </a:ext>
+          </a:extLst>
+        </p:cNvPr>
+        <p:cNvGrpSpPr/>
+        <p:nvPr/>
+      </p:nvGrpSpPr>
+      <p:grpSpPr>
+        <a:xfrm>
+          <a:off x="0" y="0"/>
+          <a:ext cx="0" cy="0"/>
+          <a:chOff x="0" y="0"/>
+          <a:chExt cx="0" cy="0"/>
+        </a:xfrm>
+      </p:grpSpPr>
+      <p:sp>
+        <p:nvSpPr>
+          <p:cNvPr id="2" name="Title 1">
+            <a:extLst>
+              <a:ext uri="{FF2B5EF4-FFF2-40B4-BE49-F238E27FC236}">
+                <a16:creationId xmlns:a16="http://schemas.microsoft.com/office/drawing/2014/main" id="{0ED5C4E7-1D7C-C233-152C-9A938DF3965D}"/>
+              </a:ext>
+            </a:extLst>
+          </p:cNvPr>
+          <p:cNvSpPr>
+            <a:spLocks noGrp="1"/>
+          </p:cNvSpPr>
+          <p:nvPr>
+            <p:ph type="title"/>
+          </p:nvPr>
+        </p:nvSpPr>
+        <p:spPr/>
+        <p:txBody>
+          <a:bodyPr/>
+          <a:lstStyle/>
+          <a:p>
+            <a:r>
+              <a:rPr lang="en-US" dirty="0"/>
+              <a:t>KV Compression Policy – Generation Phase</a:t>
+            </a:r>
+          </a:p>
+        </p:txBody>
+      </p:sp>
+      <p:pic>
+        <p:nvPicPr>
+          <p:cNvPr id="5" name="Content Placeholder 4" descr="A math equations on a white background&#10;&#10;AI-generated content may be incorrect.">
+            <a:extLst>
+              <a:ext uri="{FF2B5EF4-FFF2-40B4-BE49-F238E27FC236}">
+                <a16:creationId xmlns:a16="http://schemas.microsoft.com/office/drawing/2014/main" id="{84F6BFC5-0B3D-2ECE-4AF0-9F9CB13C2220}"/>
+              </a:ext>
+            </a:extLst>
+          </p:cNvPr>
+          <p:cNvPicPr>
+            <a:picLocks noGrp="1" noChangeAspect="1"/>
+          </p:cNvPicPr>
+          <p:nvPr>
+            <p:ph idx="1"/>
+          </p:nvPr>
+        </p:nvPicPr>
+        <p:blipFill>
+          <a:blip r:embed="rId3"/>
+          <a:stretch>
+            <a:fillRect/>
+          </a:stretch>
+        </p:blipFill>
+        <p:spPr>
+          <a:xfrm>
+            <a:off x="3196105" y="1690688"/>
+            <a:ext cx="4599062" cy="4351338"/>
+          </a:xfrm>
+        </p:spPr>
+      </p:pic>
+    </p:spTree>
+    <p:extLst>
+      <p:ext uri="{BB962C8B-B14F-4D97-AF65-F5344CB8AC3E}">
+        <p14:creationId xmlns:p14="http://schemas.microsoft.com/office/powerpoint/2010/main" val="3440060082"/>
+      </p:ext>
+    </p:extLst>
+  </p:cSld>
+  <p:clrMapOvr>
+    <a:masterClrMapping/>
+  </p:clrMapOvr>
+</p:sld>
+</file>
+
+<file path=ppt/slides/slide19.xml><?xml version="1.0" encoding="utf-8"?>
+<p:sld xmlns:a="http://schemas.openxmlformats.org/drawingml/2006/main" xmlns:r="http://schemas.openxmlformats.org/officeDocument/2006/relationships" xmlns:p="http://schemas.openxmlformats.org/presentationml/2006/main">
+  <p:cSld>
+    <p:spTree>
+      <p:nvGrpSpPr>
+        <p:cNvPr id="1" name=""/>
+        <p:cNvGrpSpPr/>
+        <p:nvPr/>
+      </p:nvGrpSpPr>
+      <p:grpSpPr>
+        <a:xfrm>
+          <a:off x="0" y="0"/>
+          <a:ext cx="0" cy="0"/>
+          <a:chOff x="0" y="0"/>
+          <a:chExt cx="0" cy="0"/>
+        </a:xfrm>
+      </p:grpSpPr>
+      <p:sp>
+        <p:nvSpPr>
+          <p:cNvPr id="2" name="Title 1">
+            <a:extLst>
+              <a:ext uri="{FF2B5EF4-FFF2-40B4-BE49-F238E27FC236}">
+                <a16:creationId xmlns:a16="http://schemas.microsoft.com/office/drawing/2014/main" id="{0DD63FA4-2B91-DF31-7403-235D666B45DA}"/>
+              </a:ext>
+            </a:extLst>
+          </p:cNvPr>
+          <p:cNvSpPr>
+            <a:spLocks noGrp="1"/>
+          </p:cNvSpPr>
+          <p:nvPr>
+            <p:ph type="title"/>
+          </p:nvPr>
+        </p:nvSpPr>
+        <p:spPr/>
+        <p:txBody>
+          <a:bodyPr/>
+          <a:lstStyle/>
+          <a:p>
+            <a:r>
+              <a:rPr lang="en-US"/>
+              <a:t>Memory Management</a:t>
+            </a:r>
+          </a:p>
+        </p:txBody>
+      </p:sp>
+      <p:sp>
+        <p:nvSpPr>
+          <p:cNvPr id="3" name="Content Placeholder 2">
+            <a:extLst>
+              <a:ext uri="{FF2B5EF4-FFF2-40B4-BE49-F238E27FC236}">
+                <a16:creationId xmlns:a16="http://schemas.microsoft.com/office/drawing/2014/main" id="{1510B4F9-5478-1105-6E89-FD2C58F59657}"/>
+              </a:ext>
+            </a:extLst>
+          </p:cNvPr>
+          <p:cNvSpPr>
+            <a:spLocks noGrp="1"/>
+          </p:cNvSpPr>
+          <p:nvPr>
+            <p:ph idx="1"/>
+          </p:nvPr>
+        </p:nvSpPr>
+        <p:spPr/>
+        <p:txBody>
+          <a:bodyPr/>
+          <a:lstStyle/>
+          <a:p>
+            <a:endParaRPr lang="en-US"/>
+          </a:p>
+        </p:txBody>
+      </p:sp>
+    </p:spTree>
+    <p:extLst>
+      <p:ext uri="{BB962C8B-B14F-4D97-AF65-F5344CB8AC3E}">
+        <p14:creationId xmlns:p14="http://schemas.microsoft.com/office/powerpoint/2010/main" val="3763185635"/>
+      </p:ext>
+    </p:extLst>
+  </p:cSld>
+  <p:clrMapOvr>
+    <a:masterClrMapping/>
+  </p:clrMapOvr>
 </p:sld>
 </file>
 

--- a/DiffKV MLSys Seminar.pptx
+++ b/DiffKV MLSys Seminar.pptx
@@ -5,7 +5,7 @@
     <p:sldMasterId id="2147483648" r:id="rId1"/>
   </p:sldMasterIdLst>
   <p:notesMasterIdLst>
-    <p:notesMasterId r:id="rId21"/>
+    <p:notesMasterId r:id="rId22"/>
   </p:notesMasterIdLst>
   <p:sldIdLst>
     <p:sldId id="256" r:id="rId2"/>
@@ -27,6 +27,7 @@
     <p:sldId id="272" r:id="rId18"/>
     <p:sldId id="273" r:id="rId19"/>
     <p:sldId id="274" r:id="rId20"/>
+    <p:sldId id="275" r:id="rId21"/>
   </p:sldIdLst>
   <p:sldSz cx="12192000" cy="6858000"/>
   <p:notesSz cx="6858000" cy="9144000"/>
@@ -6236,8 +6237,8 @@
           <a:lstStyle/>
           <a:p>
             <a:r>
-              <a:rPr lang="en-US"/>
-              <a:t>Memory Management</a:t>
+              <a:rPr lang="en-US" dirty="0"/>
+              <a:t>Memory Management -- Challenges</a:t>
             </a:r>
           </a:p>
         </p:txBody>
@@ -6260,10 +6261,64 @@
         </p:nvSpPr>
         <p:spPr/>
         <p:txBody>
-          <a:bodyPr/>
-          <a:lstStyle/>
-          <a:p>
-            <a:endParaRPr lang="en-US"/>
+          <a:bodyPr>
+            <a:normAutofit fontScale="92500"/>
+          </a:bodyPr>
+          <a:lstStyle/>
+          <a:p>
+            <a:r>
+              <a:rPr lang="en-US" dirty="0"/>
+              <a:t>Differentiation at varying levels does not lend us the simplicity of having uniform memory pages</a:t>
+            </a:r>
+            <a:br>
+              <a:rPr lang="en-US" dirty="0"/>
+            </a:br>
+            <a:endParaRPr lang="en-US" dirty="0"/>
+          </a:p>
+          <a:p>
+            <a:r>
+              <a:rPr lang="en-US" dirty="0"/>
+              <a:t>Rule of thumb for simplicity: you should be able to calculate index of a word/item given the address of a page and size of words</a:t>
+            </a:r>
+          </a:p>
+          <a:p>
+            <a:pPr lvl="1"/>
+            <a:r>
+              <a:rPr lang="en-US" dirty="0"/>
+              <a:t>Mixing varying size words in a single page takes away that simplicity</a:t>
+            </a:r>
+            <a:br>
+              <a:rPr lang="en-US" dirty="0"/>
+            </a:br>
+            <a:endParaRPr lang="en-US" dirty="0"/>
+          </a:p>
+          <a:p>
+            <a:r>
+              <a:rPr lang="en-US" dirty="0"/>
+              <a:t>How about we pad K4V2 to behave like K8V2 </a:t>
+            </a:r>
+            <a:r>
+              <a:rPr lang="en-US" dirty="0">
+                <a:sym typeface="Wingdings" pitchFamily="2" charset="2"/>
+              </a:rPr>
+              <a:t> memory wastage</a:t>
+            </a:r>
+            <a:br>
+              <a:rPr lang="en-US" dirty="0">
+                <a:sym typeface="Wingdings" pitchFamily="2" charset="2"/>
+              </a:rPr>
+            </a:br>
+            <a:endParaRPr lang="en-US" dirty="0">
+              <a:sym typeface="Wingdings" pitchFamily="2" charset="2"/>
+            </a:endParaRPr>
+          </a:p>
+          <a:p>
+            <a:r>
+              <a:rPr lang="en-US" dirty="0">
+                <a:sym typeface="Wingdings" pitchFamily="2" charset="2"/>
+              </a:rPr>
+              <a:t>Memory management metadata increases as we have several levels of precisions, potentially different precision for different heads</a:t>
+            </a:r>
           </a:p>
         </p:txBody>
       </p:sp>
@@ -6277,6 +6332,266 @@
   <p:clrMapOvr>
     <a:masterClrMapping/>
   </p:clrMapOvr>
+  <p:timing>
+    <p:tnLst>
+      <p:par>
+        <p:cTn id="1" dur="indefinite" restart="never" nodeType="tmRoot">
+          <p:childTnLst>
+            <p:seq concurrent="1" nextAc="seek">
+              <p:cTn id="2" dur="indefinite" nodeType="mainSeq">
+                <p:childTnLst>
+                  <p:par>
+                    <p:cTn id="3" fill="hold">
+                      <p:stCondLst>
+                        <p:cond delay="indefinite"/>
+                      </p:stCondLst>
+                      <p:childTnLst>
+                        <p:par>
+                          <p:cTn id="4" fill="hold">
+                            <p:stCondLst>
+                              <p:cond delay="0"/>
+                            </p:stCondLst>
+                            <p:childTnLst>
+                              <p:par>
+                                <p:cTn id="5" presetID="1" presetClass="entr" presetSubtype="0" fill="hold" grpId="0" nodeType="clickEffect">
+                                  <p:stCondLst>
+                                    <p:cond delay="0"/>
+                                  </p:stCondLst>
+                                  <p:childTnLst>
+                                    <p:set>
+                                      <p:cBhvr>
+                                        <p:cTn id="6" dur="1" fill="hold">
+                                          <p:stCondLst>
+                                            <p:cond delay="0"/>
+                                          </p:stCondLst>
+                                        </p:cTn>
+                                        <p:tgtEl>
+                                          <p:spTgt spid="3">
+                                            <p:txEl>
+                                              <p:pRg st="0" end="0"/>
+                                            </p:txEl>
+                                          </p:spTgt>
+                                        </p:tgtEl>
+                                        <p:attrNameLst>
+                                          <p:attrName>style.visibility</p:attrName>
+                                        </p:attrNameLst>
+                                      </p:cBhvr>
+                                      <p:to>
+                                        <p:strVal val="visible"/>
+                                      </p:to>
+                                    </p:set>
+                                  </p:childTnLst>
+                                </p:cTn>
+                              </p:par>
+                            </p:childTnLst>
+                          </p:cTn>
+                        </p:par>
+                      </p:childTnLst>
+                    </p:cTn>
+                  </p:par>
+                  <p:par>
+                    <p:cTn id="7" fill="hold">
+                      <p:stCondLst>
+                        <p:cond delay="indefinite"/>
+                      </p:stCondLst>
+                      <p:childTnLst>
+                        <p:par>
+                          <p:cTn id="8" fill="hold">
+                            <p:stCondLst>
+                              <p:cond delay="0"/>
+                            </p:stCondLst>
+                            <p:childTnLst>
+                              <p:par>
+                                <p:cTn id="9" presetID="1" presetClass="entr" presetSubtype="0" fill="hold" grpId="0" nodeType="clickEffect">
+                                  <p:stCondLst>
+                                    <p:cond delay="0"/>
+                                  </p:stCondLst>
+                                  <p:childTnLst>
+                                    <p:set>
+                                      <p:cBhvr>
+                                        <p:cTn id="10" dur="1" fill="hold">
+                                          <p:stCondLst>
+                                            <p:cond delay="0"/>
+                                          </p:stCondLst>
+                                        </p:cTn>
+                                        <p:tgtEl>
+                                          <p:spTgt spid="3">
+                                            <p:txEl>
+                                              <p:pRg st="1" end="1"/>
+                                            </p:txEl>
+                                          </p:spTgt>
+                                        </p:tgtEl>
+                                        <p:attrNameLst>
+                                          <p:attrName>style.visibility</p:attrName>
+                                        </p:attrNameLst>
+                                      </p:cBhvr>
+                                      <p:to>
+                                        <p:strVal val="visible"/>
+                                      </p:to>
+                                    </p:set>
+                                  </p:childTnLst>
+                                </p:cTn>
+                              </p:par>
+                              <p:par>
+                                <p:cTn id="11" presetID="1" presetClass="entr" presetSubtype="0" fill="hold" grpId="0" nodeType="withEffect">
+                                  <p:stCondLst>
+                                    <p:cond delay="0"/>
+                                  </p:stCondLst>
+                                  <p:childTnLst>
+                                    <p:set>
+                                      <p:cBhvr>
+                                        <p:cTn id="12" dur="1" fill="hold">
+                                          <p:stCondLst>
+                                            <p:cond delay="0"/>
+                                          </p:stCondLst>
+                                        </p:cTn>
+                                        <p:tgtEl>
+                                          <p:spTgt spid="3">
+                                            <p:txEl>
+                                              <p:pRg st="2" end="2"/>
+                                            </p:txEl>
+                                          </p:spTgt>
+                                        </p:tgtEl>
+                                        <p:attrNameLst>
+                                          <p:attrName>style.visibility</p:attrName>
+                                        </p:attrNameLst>
+                                      </p:cBhvr>
+                                      <p:to>
+                                        <p:strVal val="visible"/>
+                                      </p:to>
+                                    </p:set>
+                                  </p:childTnLst>
+                                </p:cTn>
+                              </p:par>
+                            </p:childTnLst>
+                          </p:cTn>
+                        </p:par>
+                      </p:childTnLst>
+                    </p:cTn>
+                  </p:par>
+                  <p:par>
+                    <p:cTn id="13" fill="hold">
+                      <p:stCondLst>
+                        <p:cond delay="indefinite"/>
+                      </p:stCondLst>
+                      <p:childTnLst>
+                        <p:par>
+                          <p:cTn id="14" fill="hold">
+                            <p:stCondLst>
+                              <p:cond delay="0"/>
+                            </p:stCondLst>
+                            <p:childTnLst>
+                              <p:par>
+                                <p:cTn id="15" presetID="1" presetClass="entr" presetSubtype="0" fill="hold" grpId="0" nodeType="clickEffect">
+                                  <p:stCondLst>
+                                    <p:cond delay="0"/>
+                                  </p:stCondLst>
+                                  <p:childTnLst>
+                                    <p:set>
+                                      <p:cBhvr>
+                                        <p:cTn id="16" dur="1" fill="hold">
+                                          <p:stCondLst>
+                                            <p:cond delay="0"/>
+                                          </p:stCondLst>
+                                        </p:cTn>
+                                        <p:tgtEl>
+                                          <p:spTgt spid="3">
+                                            <p:txEl>
+                                              <p:pRg st="3" end="3"/>
+                                            </p:txEl>
+                                          </p:spTgt>
+                                        </p:tgtEl>
+                                        <p:attrNameLst>
+                                          <p:attrName>style.visibility</p:attrName>
+                                        </p:attrNameLst>
+                                      </p:cBhvr>
+                                      <p:to>
+                                        <p:strVal val="visible"/>
+                                      </p:to>
+                                    </p:set>
+                                  </p:childTnLst>
+                                </p:cTn>
+                              </p:par>
+                            </p:childTnLst>
+                          </p:cTn>
+                        </p:par>
+                      </p:childTnLst>
+                    </p:cTn>
+                  </p:par>
+                  <p:par>
+                    <p:cTn id="17" fill="hold">
+                      <p:stCondLst>
+                        <p:cond delay="indefinite"/>
+                      </p:stCondLst>
+                      <p:childTnLst>
+                        <p:par>
+                          <p:cTn id="18" fill="hold">
+                            <p:stCondLst>
+                              <p:cond delay="0"/>
+                            </p:stCondLst>
+                            <p:childTnLst>
+                              <p:par>
+                                <p:cTn id="19" presetID="1" presetClass="entr" presetSubtype="0" fill="hold" grpId="0" nodeType="clickEffect">
+                                  <p:stCondLst>
+                                    <p:cond delay="0"/>
+                                  </p:stCondLst>
+                                  <p:childTnLst>
+                                    <p:set>
+                                      <p:cBhvr>
+                                        <p:cTn id="20" dur="1" fill="hold">
+                                          <p:stCondLst>
+                                            <p:cond delay="0"/>
+                                          </p:stCondLst>
+                                        </p:cTn>
+                                        <p:tgtEl>
+                                          <p:spTgt spid="3">
+                                            <p:txEl>
+                                              <p:pRg st="4" end="4"/>
+                                            </p:txEl>
+                                          </p:spTgt>
+                                        </p:tgtEl>
+                                        <p:attrNameLst>
+                                          <p:attrName>style.visibility</p:attrName>
+                                        </p:attrNameLst>
+                                      </p:cBhvr>
+                                      <p:to>
+                                        <p:strVal val="visible"/>
+                                      </p:to>
+                                    </p:set>
+                                  </p:childTnLst>
+                                </p:cTn>
+                              </p:par>
+                            </p:childTnLst>
+                          </p:cTn>
+                        </p:par>
+                      </p:childTnLst>
+                    </p:cTn>
+                  </p:par>
+                </p:childTnLst>
+              </p:cTn>
+              <p:prevCondLst>
+                <p:cond evt="onPrev" delay="0">
+                  <p:tgtEl>
+                    <p:sldTgt/>
+                  </p:tgtEl>
+                </p:cond>
+              </p:prevCondLst>
+              <p:nextCondLst>
+                <p:cond evt="onNext" delay="0">
+                  <p:tgtEl>
+                    <p:sldTgt/>
+                  </p:tgtEl>
+                </p:cond>
+              </p:nextCondLst>
+            </p:seq>
+          </p:childTnLst>
+        </p:cTn>
+      </p:par>
+    </p:tnLst>
+    <p:bldLst>
+      <p:bldP spid="3" grpId="0" build="p"/>
+    </p:bldLst>
+  </p:timing>
 </p:sld>
 </file>
 
@@ -6581,6 +6896,97 @@
       <p:bldP spid="6" grpId="0"/>
     </p:bldLst>
   </p:timing>
+</p:sld>
+</file>
+
+<file path=ppt/slides/slide20.xml><?xml version="1.0" encoding="utf-8"?>
+<p:sld xmlns:a="http://schemas.openxmlformats.org/drawingml/2006/main" xmlns:r="http://schemas.openxmlformats.org/officeDocument/2006/relationships" xmlns:p="http://schemas.openxmlformats.org/presentationml/2006/main">
+  <p:cSld>
+    <p:spTree>
+      <p:nvGrpSpPr>
+        <p:cNvPr id="1" name="">
+          <a:extLst>
+            <a:ext uri="{FF2B5EF4-FFF2-40B4-BE49-F238E27FC236}">
+              <a16:creationId xmlns:a16="http://schemas.microsoft.com/office/drawing/2014/main" id="{AF8ACCBB-5637-A694-66C1-AECF6FFF92A7}"/>
+            </a:ext>
+          </a:extLst>
+        </p:cNvPr>
+        <p:cNvGrpSpPr/>
+        <p:nvPr/>
+      </p:nvGrpSpPr>
+      <p:grpSpPr>
+        <a:xfrm>
+          <a:off x="0" y="0"/>
+          <a:ext cx="0" cy="0"/>
+          <a:chOff x="0" y="0"/>
+          <a:chExt cx="0" cy="0"/>
+        </a:xfrm>
+      </p:grpSpPr>
+      <p:sp>
+        <p:nvSpPr>
+          <p:cNvPr id="2" name="Title 1">
+            <a:extLst>
+              <a:ext uri="{FF2B5EF4-FFF2-40B4-BE49-F238E27FC236}">
+                <a16:creationId xmlns:a16="http://schemas.microsoft.com/office/drawing/2014/main" id="{BC87A654-E941-F541-8B65-4449F1225C31}"/>
+              </a:ext>
+            </a:extLst>
+          </p:cNvPr>
+          <p:cNvSpPr>
+            <a:spLocks noGrp="1"/>
+          </p:cNvSpPr>
+          <p:nvPr>
+            <p:ph type="title"/>
+          </p:nvPr>
+        </p:nvSpPr>
+        <p:spPr/>
+        <p:txBody>
+          <a:bodyPr/>
+          <a:lstStyle/>
+          <a:p>
+            <a:r>
+              <a:rPr lang="en-US" dirty="0"/>
+              <a:t>Memory Management -- Design</a:t>
+            </a:r>
+          </a:p>
+        </p:txBody>
+      </p:sp>
+      <p:sp>
+        <p:nvSpPr>
+          <p:cNvPr id="3" name="Content Placeholder 2">
+            <a:extLst>
+              <a:ext uri="{FF2B5EF4-FFF2-40B4-BE49-F238E27FC236}">
+                <a16:creationId xmlns:a16="http://schemas.microsoft.com/office/drawing/2014/main" id="{C0EEEC5B-51D8-49CB-5147-03B43D40BCA5}"/>
+              </a:ext>
+            </a:extLst>
+          </p:cNvPr>
+          <p:cNvSpPr>
+            <a:spLocks noGrp="1"/>
+          </p:cNvSpPr>
+          <p:nvPr>
+            <p:ph idx="1"/>
+          </p:nvPr>
+        </p:nvSpPr>
+        <p:spPr/>
+        <p:txBody>
+          <a:bodyPr/>
+          <a:lstStyle/>
+          <a:p>
+            <a:endParaRPr lang="en-US" dirty="0">
+              <a:sym typeface="Wingdings" pitchFamily="2" charset="2"/>
+            </a:endParaRPr>
+          </a:p>
+        </p:txBody>
+      </p:sp>
+    </p:spTree>
+    <p:extLst>
+      <p:ext uri="{BB962C8B-B14F-4D97-AF65-F5344CB8AC3E}">
+        <p14:creationId xmlns:p14="http://schemas.microsoft.com/office/powerpoint/2010/main" val="1122346702"/>
+      </p:ext>
+    </p:extLst>
+  </p:cSld>
+  <p:clrMapOvr>
+    <a:masterClrMapping/>
+  </p:clrMapOvr>
 </p:sld>
 </file>
 
